--- a/Figures/Chapter_01/drawings/Fig_PV_history.pptx
+++ b/Figures/Chapter_01/drawings/Fig_PV_history.pptx
@@ -244,7 +244,7 @@
           <a:p>
             <a:fld id="{E53556A6-779D-436A-9960-E76995E88BDD}" type="datetimeFigureOut">
               <a:rPr lang="en-GB" smtClean="0"/>
-              <a:t>17/02/2022</a:t>
+              <a:t>21/02/2022</a:t>
             </a:fld>
             <a:endParaRPr lang="en-GB"/>
           </a:p>
@@ -414,7 +414,7 @@
           <a:p>
             <a:fld id="{E53556A6-779D-436A-9960-E76995E88BDD}" type="datetimeFigureOut">
               <a:rPr lang="en-GB" smtClean="0"/>
-              <a:t>17/02/2022</a:t>
+              <a:t>21/02/2022</a:t>
             </a:fld>
             <a:endParaRPr lang="en-GB"/>
           </a:p>
@@ -594,7 +594,7 @@
           <a:p>
             <a:fld id="{E53556A6-779D-436A-9960-E76995E88BDD}" type="datetimeFigureOut">
               <a:rPr lang="en-GB" smtClean="0"/>
-              <a:t>17/02/2022</a:t>
+              <a:t>21/02/2022</a:t>
             </a:fld>
             <a:endParaRPr lang="en-GB"/>
           </a:p>
@@ -764,7 +764,7 @@
           <a:p>
             <a:fld id="{E53556A6-779D-436A-9960-E76995E88BDD}" type="datetimeFigureOut">
               <a:rPr lang="en-GB" smtClean="0"/>
-              <a:t>17/02/2022</a:t>
+              <a:t>21/02/2022</a:t>
             </a:fld>
             <a:endParaRPr lang="en-GB"/>
           </a:p>
@@ -1008,7 +1008,7 @@
           <a:p>
             <a:fld id="{E53556A6-779D-436A-9960-E76995E88BDD}" type="datetimeFigureOut">
               <a:rPr lang="en-GB" smtClean="0"/>
-              <a:t>17/02/2022</a:t>
+              <a:t>21/02/2022</a:t>
             </a:fld>
             <a:endParaRPr lang="en-GB"/>
           </a:p>
@@ -1240,7 +1240,7 @@
           <a:p>
             <a:fld id="{E53556A6-779D-436A-9960-E76995E88BDD}" type="datetimeFigureOut">
               <a:rPr lang="en-GB" smtClean="0"/>
-              <a:t>17/02/2022</a:t>
+              <a:t>21/02/2022</a:t>
             </a:fld>
             <a:endParaRPr lang="en-GB"/>
           </a:p>
@@ -1607,7 +1607,7 @@
           <a:p>
             <a:fld id="{E53556A6-779D-436A-9960-E76995E88BDD}" type="datetimeFigureOut">
               <a:rPr lang="en-GB" smtClean="0"/>
-              <a:t>17/02/2022</a:t>
+              <a:t>21/02/2022</a:t>
             </a:fld>
             <a:endParaRPr lang="en-GB"/>
           </a:p>
@@ -1725,7 +1725,7 @@
           <a:p>
             <a:fld id="{E53556A6-779D-436A-9960-E76995E88BDD}" type="datetimeFigureOut">
               <a:rPr lang="en-GB" smtClean="0"/>
-              <a:t>17/02/2022</a:t>
+              <a:t>21/02/2022</a:t>
             </a:fld>
             <a:endParaRPr lang="en-GB"/>
           </a:p>
@@ -1820,7 +1820,7 @@
           <a:p>
             <a:fld id="{E53556A6-779D-436A-9960-E76995E88BDD}" type="datetimeFigureOut">
               <a:rPr lang="en-GB" smtClean="0"/>
-              <a:t>17/02/2022</a:t>
+              <a:t>21/02/2022</a:t>
             </a:fld>
             <a:endParaRPr lang="en-GB"/>
           </a:p>
@@ -2097,7 +2097,7 @@
           <a:p>
             <a:fld id="{E53556A6-779D-436A-9960-E76995E88BDD}" type="datetimeFigureOut">
               <a:rPr lang="en-GB" smtClean="0"/>
-              <a:t>17/02/2022</a:t>
+              <a:t>21/02/2022</a:t>
             </a:fld>
             <a:endParaRPr lang="en-GB"/>
           </a:p>
@@ -2354,7 +2354,7 @@
           <a:p>
             <a:fld id="{E53556A6-779D-436A-9960-E76995E88BDD}" type="datetimeFigureOut">
               <a:rPr lang="en-GB" smtClean="0"/>
-              <a:t>17/02/2022</a:t>
+              <a:t>21/02/2022</a:t>
             </a:fld>
             <a:endParaRPr lang="en-GB"/>
           </a:p>
@@ -2567,7 +2567,7 @@
           <a:p>
             <a:fld id="{E53556A6-779D-436A-9960-E76995E88BDD}" type="datetimeFigureOut">
               <a:rPr lang="en-GB" smtClean="0"/>
-              <a:t>17/02/2022</a:t>
+              <a:t>21/02/2022</a:t>
             </a:fld>
             <a:endParaRPr lang="en-GB"/>
           </a:p>
@@ -4334,7 +4334,7 @@
           </p:blipFill>
           <p:spPr bwMode="auto">
             <a:xfrm>
-              <a:off x="4825547" y="6163311"/>
+              <a:off x="4902728" y="5937426"/>
               <a:ext cx="2074086" cy="2145303"/>
             </a:xfrm>
             <a:prstGeom prst="rect">
@@ -4774,8 +4774,8 @@
           </p:nvSpPr>
           <p:spPr>
             <a:xfrm>
-              <a:off x="4413870" y="8346052"/>
-              <a:ext cx="3034617" cy="461665"/>
+              <a:off x="4413870" y="8109117"/>
+              <a:ext cx="3034617" cy="830997"/>
             </a:xfrm>
             <a:prstGeom prst="rect">
               <a:avLst/>
@@ -4791,7 +4791,7 @@
               <a:pPr algn="just"/>
               <a:r>
                 <a:rPr lang="en-GB" sz="1200" dirty="0"/>
-                <a:t>The first satellite with a solar PV power system (NASA Vanguard 1) is launched.</a:t>
+                <a:t>The first satellite with a solar PV power system (NASA Vanguard 1) was launched. The Russian satellite Sputnik 3 launched the same year also included solar cells. </a:t>
               </a:r>
             </a:p>
           </p:txBody>
@@ -5546,7 +5546,7 @@
           <a:graphicData uri="http://schemas.openxmlformats.org/presentationml/2006/ole">
             <mc:AlternateContent xmlns:mc="http://schemas.openxmlformats.org/markup-compatibility/2006">
               <mc:Choice xmlns:v="urn:schemas-microsoft-com:vml" Requires="v">
-                <p:oleObj spid="_x0000_s1038" name="Bitmap Image" r:id="rId7" imgW="5295960" imgH="5181480" progId="Paint.Picture">
+                <p:oleObj spid="_x0000_s1039" name="Bitmap Image" r:id="rId7" imgW="5295960" imgH="5181480" progId="Paint.Picture">
                   <p:embed/>
                 </p:oleObj>
               </mc:Choice>

--- a/Figures/Chapter_01/drawings/Fig_PV_history.pptx
+++ b/Figures/Chapter_01/drawings/Fig_PV_history.pptx
@@ -244,7 +244,7 @@
           <a:p>
             <a:fld id="{E53556A6-779D-436A-9960-E76995E88BDD}" type="datetimeFigureOut">
               <a:rPr lang="en-GB" smtClean="0"/>
-              <a:t>21/02/2022</a:t>
+              <a:t>04/03/2022</a:t>
             </a:fld>
             <a:endParaRPr lang="en-GB"/>
           </a:p>
@@ -414,7 +414,7 @@
           <a:p>
             <a:fld id="{E53556A6-779D-436A-9960-E76995E88BDD}" type="datetimeFigureOut">
               <a:rPr lang="en-GB" smtClean="0"/>
-              <a:t>21/02/2022</a:t>
+              <a:t>04/03/2022</a:t>
             </a:fld>
             <a:endParaRPr lang="en-GB"/>
           </a:p>
@@ -594,7 +594,7 @@
           <a:p>
             <a:fld id="{E53556A6-779D-436A-9960-E76995E88BDD}" type="datetimeFigureOut">
               <a:rPr lang="en-GB" smtClean="0"/>
-              <a:t>21/02/2022</a:t>
+              <a:t>04/03/2022</a:t>
             </a:fld>
             <a:endParaRPr lang="en-GB"/>
           </a:p>
@@ -764,7 +764,7 @@
           <a:p>
             <a:fld id="{E53556A6-779D-436A-9960-E76995E88BDD}" type="datetimeFigureOut">
               <a:rPr lang="en-GB" smtClean="0"/>
-              <a:t>21/02/2022</a:t>
+              <a:t>04/03/2022</a:t>
             </a:fld>
             <a:endParaRPr lang="en-GB"/>
           </a:p>
@@ -1008,7 +1008,7 @@
           <a:p>
             <a:fld id="{E53556A6-779D-436A-9960-E76995E88BDD}" type="datetimeFigureOut">
               <a:rPr lang="en-GB" smtClean="0"/>
-              <a:t>21/02/2022</a:t>
+              <a:t>04/03/2022</a:t>
             </a:fld>
             <a:endParaRPr lang="en-GB"/>
           </a:p>
@@ -1240,7 +1240,7 @@
           <a:p>
             <a:fld id="{E53556A6-779D-436A-9960-E76995E88BDD}" type="datetimeFigureOut">
               <a:rPr lang="en-GB" smtClean="0"/>
-              <a:t>21/02/2022</a:t>
+              <a:t>04/03/2022</a:t>
             </a:fld>
             <a:endParaRPr lang="en-GB"/>
           </a:p>
@@ -1607,7 +1607,7 @@
           <a:p>
             <a:fld id="{E53556A6-779D-436A-9960-E76995E88BDD}" type="datetimeFigureOut">
               <a:rPr lang="en-GB" smtClean="0"/>
-              <a:t>21/02/2022</a:t>
+              <a:t>04/03/2022</a:t>
             </a:fld>
             <a:endParaRPr lang="en-GB"/>
           </a:p>
@@ -1725,7 +1725,7 @@
           <a:p>
             <a:fld id="{E53556A6-779D-436A-9960-E76995E88BDD}" type="datetimeFigureOut">
               <a:rPr lang="en-GB" smtClean="0"/>
-              <a:t>21/02/2022</a:t>
+              <a:t>04/03/2022</a:t>
             </a:fld>
             <a:endParaRPr lang="en-GB"/>
           </a:p>
@@ -1820,7 +1820,7 @@
           <a:p>
             <a:fld id="{E53556A6-779D-436A-9960-E76995E88BDD}" type="datetimeFigureOut">
               <a:rPr lang="en-GB" smtClean="0"/>
-              <a:t>21/02/2022</a:t>
+              <a:t>04/03/2022</a:t>
             </a:fld>
             <a:endParaRPr lang="en-GB"/>
           </a:p>
@@ -2097,7 +2097,7 @@
           <a:p>
             <a:fld id="{E53556A6-779D-436A-9960-E76995E88BDD}" type="datetimeFigureOut">
               <a:rPr lang="en-GB" smtClean="0"/>
-              <a:t>21/02/2022</a:t>
+              <a:t>04/03/2022</a:t>
             </a:fld>
             <a:endParaRPr lang="en-GB"/>
           </a:p>
@@ -2354,7 +2354,7 @@
           <a:p>
             <a:fld id="{E53556A6-779D-436A-9960-E76995E88BDD}" type="datetimeFigureOut">
               <a:rPr lang="en-GB" smtClean="0"/>
-              <a:t>21/02/2022</a:t>
+              <a:t>04/03/2022</a:t>
             </a:fld>
             <a:endParaRPr lang="en-GB"/>
           </a:p>
@@ -2567,7 +2567,7 @@
           <a:p>
             <a:fld id="{E53556A6-779D-436A-9960-E76995E88BDD}" type="datetimeFigureOut">
               <a:rPr lang="en-GB" smtClean="0"/>
-              <a:t>21/02/2022</a:t>
+              <a:t>04/03/2022</a:t>
             </a:fld>
             <a:endParaRPr lang="en-GB"/>
           </a:p>
@@ -5546,7 +5546,7 @@
           <a:graphicData uri="http://schemas.openxmlformats.org/presentationml/2006/ole">
             <mc:AlternateContent xmlns:mc="http://schemas.openxmlformats.org/markup-compatibility/2006">
               <mc:Choice xmlns:v="urn:schemas-microsoft-com:vml" Requires="v">
-                <p:oleObj spid="_x0000_s1039" name="Bitmap Image" r:id="rId7" imgW="5295960" imgH="5181480" progId="Paint.Picture">
+                <p:oleObj spid="_x0000_s1041" name="Bitmap Image" r:id="rId7" imgW="5295960" imgH="5181480" progId="Paint.Picture">
                   <p:embed/>
                 </p:oleObj>
               </mc:Choice>
@@ -5625,8 +5625,8 @@
         </p:nvSpPr>
         <p:spPr>
           <a:xfrm>
-            <a:off x="-4319589" y="6729829"/>
-            <a:ext cx="4178928" cy="276999"/>
+            <a:off x="-3756880" y="3142847"/>
+            <a:ext cx="2465323" cy="461665"/>
           </a:xfrm>
           <a:prstGeom prst="rect">
             <a:avLst/>
@@ -5732,7 +5732,7 @@
         </p:blipFill>
         <p:spPr>
           <a:xfrm>
-            <a:off x="-8056176" y="4332287"/>
+            <a:off x="-7557074" y="1016464"/>
             <a:ext cx="3563804" cy="4882578"/>
           </a:xfrm>
           <a:prstGeom prst="rect">
@@ -5769,7 +5769,7 @@
         </p:blipFill>
         <p:spPr bwMode="auto">
           <a:xfrm>
-            <a:off x="-4194998" y="4388815"/>
+            <a:off x="-3756880" y="1010402"/>
             <a:ext cx="3036223" cy="1894288"/>
           </a:xfrm>
           <a:prstGeom prst="rect">
@@ -8863,6 +8863,156 @@
           </p:spPr>
         </p:pic>
       </p:grpSp>
+      <p:sp>
+        <p:nvSpPr>
+          <p:cNvPr id="90" name="TextBox 89">
+            <a:extLst>
+              <a:ext uri="{FF2B5EF4-FFF2-40B4-BE49-F238E27FC236}">
+                <a16:creationId xmlns:a16="http://schemas.microsoft.com/office/drawing/2014/main" id="{F3ECF042-FFAB-4819-A01F-F6D8EF5D3763}"/>
+              </a:ext>
+            </a:extLst>
+          </p:cNvPr>
+          <p:cNvSpPr txBox="1"/>
+          <p:nvPr/>
+        </p:nvSpPr>
+        <p:spPr>
+          <a:xfrm>
+            <a:off x="-3622329" y="4114612"/>
+            <a:ext cx="2465323" cy="276999"/>
+          </a:xfrm>
+          <a:prstGeom prst="rect">
+            <a:avLst/>
+          </a:prstGeom>
+          <a:noFill/>
+        </p:spPr>
+        <p:txBody>
+          <a:bodyPr wrap="square" rtlCol="0">
+            <a:spAutoFit/>
+          </a:bodyPr>
+          <a:lstStyle/>
+          <a:p>
+            <a:pPr algn="just"/>
+            <a:r>
+              <a:rPr lang="en-GB" sz="1200" dirty="0">
+                <a:solidFill>
+                  <a:srgbClr val="0070C0"/>
+                </a:solidFill>
+                <a:latin typeface="Calibri" panose="020F0502020204030204" pitchFamily="34" charset="0"/>
+                <a:ea typeface="Times New Roman" panose="02020603050405020304" pitchFamily="18" charset="0"/>
+              </a:rPr>
+              <a:t>Primera thin film</a:t>
+            </a:r>
+            <a:endParaRPr lang="en-GB" sz="1200" dirty="0">
+              <a:solidFill>
+                <a:srgbClr val="0070C0"/>
+              </a:solidFill>
+              <a:effectLst/>
+              <a:latin typeface="Times New Roman" panose="02020603050405020304" pitchFamily="18" charset="0"/>
+              <a:ea typeface="Times New Roman" panose="02020603050405020304" pitchFamily="18" charset="0"/>
+            </a:endParaRPr>
+          </a:p>
+        </p:txBody>
+      </p:sp>
+      <p:sp>
+        <p:nvSpPr>
+          <p:cNvPr id="98" name="TextBox 97">
+            <a:extLst>
+              <a:ext uri="{FF2B5EF4-FFF2-40B4-BE49-F238E27FC236}">
+                <a16:creationId xmlns:a16="http://schemas.microsoft.com/office/drawing/2014/main" id="{9CC38EF9-CB7D-429F-B6C7-C5ECABAD6EFD}"/>
+              </a:ext>
+            </a:extLst>
+          </p:cNvPr>
+          <p:cNvSpPr txBox="1"/>
+          <p:nvPr/>
+        </p:nvSpPr>
+        <p:spPr>
+          <a:xfrm>
+            <a:off x="-3591490" y="4477113"/>
+            <a:ext cx="2465323" cy="276999"/>
+          </a:xfrm>
+          <a:prstGeom prst="rect">
+            <a:avLst/>
+          </a:prstGeom>
+          <a:noFill/>
+        </p:spPr>
+        <p:txBody>
+          <a:bodyPr wrap="square" rtlCol="0">
+            <a:spAutoFit/>
+          </a:bodyPr>
+          <a:lstStyle/>
+          <a:p>
+            <a:pPr algn="just"/>
+            <a:r>
+              <a:rPr lang="en-GB" sz="1200" dirty="0">
+                <a:solidFill>
+                  <a:srgbClr val="0070C0"/>
+                </a:solidFill>
+                <a:latin typeface="Calibri" panose="020F0502020204030204" pitchFamily="34" charset="0"/>
+                <a:ea typeface="Times New Roman" panose="02020603050405020304" pitchFamily="18" charset="0"/>
+              </a:rPr>
+              <a:t>Avion solar</a:t>
+            </a:r>
+            <a:endParaRPr lang="en-GB" sz="1200" dirty="0">
+              <a:solidFill>
+                <a:srgbClr val="0070C0"/>
+              </a:solidFill>
+              <a:effectLst/>
+              <a:latin typeface="Times New Roman" panose="02020603050405020304" pitchFamily="18" charset="0"/>
+              <a:ea typeface="Times New Roman" panose="02020603050405020304" pitchFamily="18" charset="0"/>
+            </a:endParaRPr>
+          </a:p>
+        </p:txBody>
+      </p:sp>
+      <p:sp>
+        <p:nvSpPr>
+          <p:cNvPr id="109" name="TextBox 108">
+            <a:extLst>
+              <a:ext uri="{FF2B5EF4-FFF2-40B4-BE49-F238E27FC236}">
+                <a16:creationId xmlns:a16="http://schemas.microsoft.com/office/drawing/2014/main" id="{720EAEF6-E3A8-44E8-9A3F-7DBDA8737760}"/>
+              </a:ext>
+            </a:extLst>
+          </p:cNvPr>
+          <p:cNvSpPr txBox="1"/>
+          <p:nvPr/>
+        </p:nvSpPr>
+        <p:spPr>
+          <a:xfrm>
+            <a:off x="-3549207" y="4901711"/>
+            <a:ext cx="2465323" cy="276999"/>
+          </a:xfrm>
+          <a:prstGeom prst="rect">
+            <a:avLst/>
+          </a:prstGeom>
+          <a:noFill/>
+        </p:spPr>
+        <p:txBody>
+          <a:bodyPr wrap="square" rtlCol="0">
+            <a:spAutoFit/>
+          </a:bodyPr>
+          <a:lstStyle/>
+          <a:p>
+            <a:pPr algn="just"/>
+            <a:r>
+              <a:rPr lang="en-GB" sz="1200" dirty="0">
+                <a:solidFill>
+                  <a:srgbClr val="0070C0"/>
+                </a:solidFill>
+                <a:latin typeface="Calibri" panose="020F0502020204030204" pitchFamily="34" charset="0"/>
+                <a:ea typeface="Times New Roman" panose="02020603050405020304" pitchFamily="18" charset="0"/>
+              </a:rPr>
+              <a:t>Solar race / solar decathlon</a:t>
+            </a:r>
+            <a:endParaRPr lang="en-GB" sz="1200" dirty="0">
+              <a:solidFill>
+                <a:srgbClr val="0070C0"/>
+              </a:solidFill>
+              <a:effectLst/>
+              <a:latin typeface="Times New Roman" panose="02020603050405020304" pitchFamily="18" charset="0"/>
+              <a:ea typeface="Times New Roman" panose="02020603050405020304" pitchFamily="18" charset="0"/>
+            </a:endParaRPr>
+          </a:p>
+        </p:txBody>
+      </p:sp>
     </p:spTree>
     <p:extLst>
       <p:ext uri="{BB962C8B-B14F-4D97-AF65-F5344CB8AC3E}">

--- a/Figures/Chapter_01/drawings/Fig_PV_history.pptx
+++ b/Figures/Chapter_01/drawings/Fig_PV_history.pptx
@@ -244,7 +244,7 @@
           <a:p>
             <a:fld id="{E53556A6-779D-436A-9960-E76995E88BDD}" type="datetimeFigureOut">
               <a:rPr lang="en-GB" smtClean="0"/>
-              <a:t>04/03/2022</a:t>
+              <a:t>13/07/2022</a:t>
             </a:fld>
             <a:endParaRPr lang="en-GB"/>
           </a:p>
@@ -414,7 +414,7 @@
           <a:p>
             <a:fld id="{E53556A6-779D-436A-9960-E76995E88BDD}" type="datetimeFigureOut">
               <a:rPr lang="en-GB" smtClean="0"/>
-              <a:t>04/03/2022</a:t>
+              <a:t>13/07/2022</a:t>
             </a:fld>
             <a:endParaRPr lang="en-GB"/>
           </a:p>
@@ -594,7 +594,7 @@
           <a:p>
             <a:fld id="{E53556A6-779D-436A-9960-E76995E88BDD}" type="datetimeFigureOut">
               <a:rPr lang="en-GB" smtClean="0"/>
-              <a:t>04/03/2022</a:t>
+              <a:t>13/07/2022</a:t>
             </a:fld>
             <a:endParaRPr lang="en-GB"/>
           </a:p>
@@ -764,7 +764,7 @@
           <a:p>
             <a:fld id="{E53556A6-779D-436A-9960-E76995E88BDD}" type="datetimeFigureOut">
               <a:rPr lang="en-GB" smtClean="0"/>
-              <a:t>04/03/2022</a:t>
+              <a:t>13/07/2022</a:t>
             </a:fld>
             <a:endParaRPr lang="en-GB"/>
           </a:p>
@@ -1008,7 +1008,7 @@
           <a:p>
             <a:fld id="{E53556A6-779D-436A-9960-E76995E88BDD}" type="datetimeFigureOut">
               <a:rPr lang="en-GB" smtClean="0"/>
-              <a:t>04/03/2022</a:t>
+              <a:t>13/07/2022</a:t>
             </a:fld>
             <a:endParaRPr lang="en-GB"/>
           </a:p>
@@ -1240,7 +1240,7 @@
           <a:p>
             <a:fld id="{E53556A6-779D-436A-9960-E76995E88BDD}" type="datetimeFigureOut">
               <a:rPr lang="en-GB" smtClean="0"/>
-              <a:t>04/03/2022</a:t>
+              <a:t>13/07/2022</a:t>
             </a:fld>
             <a:endParaRPr lang="en-GB"/>
           </a:p>
@@ -1607,7 +1607,7 @@
           <a:p>
             <a:fld id="{E53556A6-779D-436A-9960-E76995E88BDD}" type="datetimeFigureOut">
               <a:rPr lang="en-GB" smtClean="0"/>
-              <a:t>04/03/2022</a:t>
+              <a:t>13/07/2022</a:t>
             </a:fld>
             <a:endParaRPr lang="en-GB"/>
           </a:p>
@@ -1725,7 +1725,7 @@
           <a:p>
             <a:fld id="{E53556A6-779D-436A-9960-E76995E88BDD}" type="datetimeFigureOut">
               <a:rPr lang="en-GB" smtClean="0"/>
-              <a:t>04/03/2022</a:t>
+              <a:t>13/07/2022</a:t>
             </a:fld>
             <a:endParaRPr lang="en-GB"/>
           </a:p>
@@ -1820,7 +1820,7 @@
           <a:p>
             <a:fld id="{E53556A6-779D-436A-9960-E76995E88BDD}" type="datetimeFigureOut">
               <a:rPr lang="en-GB" smtClean="0"/>
-              <a:t>04/03/2022</a:t>
+              <a:t>13/07/2022</a:t>
             </a:fld>
             <a:endParaRPr lang="en-GB"/>
           </a:p>
@@ -2097,7 +2097,7 @@
           <a:p>
             <a:fld id="{E53556A6-779D-436A-9960-E76995E88BDD}" type="datetimeFigureOut">
               <a:rPr lang="en-GB" smtClean="0"/>
-              <a:t>04/03/2022</a:t>
+              <a:t>13/07/2022</a:t>
             </a:fld>
             <a:endParaRPr lang="en-GB"/>
           </a:p>
@@ -2354,7 +2354,7 @@
           <a:p>
             <a:fld id="{E53556A6-779D-436A-9960-E76995E88BDD}" type="datetimeFigureOut">
               <a:rPr lang="en-GB" smtClean="0"/>
-              <a:t>04/03/2022</a:t>
+              <a:t>13/07/2022</a:t>
             </a:fld>
             <a:endParaRPr lang="en-GB"/>
           </a:p>
@@ -2567,7 +2567,7 @@
           <a:p>
             <a:fld id="{E53556A6-779D-436A-9960-E76995E88BDD}" type="datetimeFigureOut">
               <a:rPr lang="en-GB" smtClean="0"/>
-              <a:t>04/03/2022</a:t>
+              <a:t>13/07/2022</a:t>
             </a:fld>
             <a:endParaRPr lang="en-GB"/>
           </a:p>
@@ -5546,7 +5546,7 @@
           <a:graphicData uri="http://schemas.openxmlformats.org/presentationml/2006/ole">
             <mc:AlternateContent xmlns:mc="http://schemas.openxmlformats.org/markup-compatibility/2006">
               <mc:Choice xmlns:v="urn:schemas-microsoft-com:vml" Requires="v">
-                <p:oleObj spid="_x0000_s1041" name="Bitmap Image" r:id="rId7" imgW="5295960" imgH="5181480" progId="Paint.Picture">
+                <p:oleObj spid="_x0000_s1043" name="Bitmap Image" r:id="rId7" imgW="5295960" imgH="5181480" progId="Paint.Picture">
                   <p:embed/>
                 </p:oleObj>
               </mc:Choice>
@@ -7044,7 +7044,7 @@
               <a:pPr algn="just"/>
               <a:r>
                 <a:rPr lang="en-GB" sz="1200" dirty="0"/>
-                <a:t>Cumulative Global PV capacity reaches 1 TW</a:t>
+                <a:t>Cumulative global PV capacity reaches 1 TW</a:t>
               </a:r>
             </a:p>
           </p:txBody>
@@ -9010,6 +9010,58 @@
               <a:latin typeface="Times New Roman" panose="02020603050405020304" pitchFamily="18" charset="0"/>
               <a:ea typeface="Times New Roman" panose="02020603050405020304" pitchFamily="18" charset="0"/>
             </a:endParaRPr>
+          </a:p>
+        </p:txBody>
+      </p:sp>
+      <p:sp>
+        <p:nvSpPr>
+          <p:cNvPr id="115" name="Rectangle 114">
+            <a:extLst>
+              <a:ext uri="{FF2B5EF4-FFF2-40B4-BE49-F238E27FC236}">
+                <a16:creationId xmlns:a16="http://schemas.microsoft.com/office/drawing/2014/main" id="{AAB4C778-B81E-46D8-9864-2D5288F0F481}"/>
+              </a:ext>
+            </a:extLst>
+          </p:cNvPr>
+          <p:cNvSpPr/>
+          <p:nvPr/>
+        </p:nvSpPr>
+        <p:spPr>
+          <a:xfrm>
+            <a:off x="-2545909" y="6245327"/>
+            <a:ext cx="900000" cy="900000"/>
+          </a:xfrm>
+          <a:prstGeom prst="rect">
+            <a:avLst/>
+          </a:prstGeom>
+          <a:solidFill>
+            <a:srgbClr val="B31F20"/>
+          </a:solidFill>
+          <a:ln>
+            <a:noFill/>
+          </a:ln>
+        </p:spPr>
+        <p:style>
+          <a:lnRef idx="2">
+            <a:schemeClr val="accent1">
+              <a:shade val="50000"/>
+            </a:schemeClr>
+          </a:lnRef>
+          <a:fillRef idx="1">
+            <a:schemeClr val="accent1"/>
+          </a:fillRef>
+          <a:effectRef idx="0">
+            <a:schemeClr val="accent1"/>
+          </a:effectRef>
+          <a:fontRef idx="minor">
+            <a:schemeClr val="lt1"/>
+          </a:fontRef>
+        </p:style>
+        <p:txBody>
+          <a:bodyPr rtlCol="0" anchor="ctr"/>
+          <a:lstStyle/>
+          <a:p>
+            <a:pPr algn="ctr"/>
+            <a:endParaRPr lang="en-GB"/>
           </a:p>
         </p:txBody>
       </p:sp>

--- a/Figures/Chapter_01/drawings/Fig_PV_history.pptx
+++ b/Figures/Chapter_01/drawings/Fig_PV_history.pptx
@@ -244,7 +244,7 @@
           <a:p>
             <a:fld id="{E53556A6-779D-436A-9960-E76995E88BDD}" type="datetimeFigureOut">
               <a:rPr lang="en-GB" smtClean="0"/>
-              <a:t>13/07/2022</a:t>
+              <a:t>24/08/2022</a:t>
             </a:fld>
             <a:endParaRPr lang="en-GB"/>
           </a:p>
@@ -414,7 +414,7 @@
           <a:p>
             <a:fld id="{E53556A6-779D-436A-9960-E76995E88BDD}" type="datetimeFigureOut">
               <a:rPr lang="en-GB" smtClean="0"/>
-              <a:t>13/07/2022</a:t>
+              <a:t>24/08/2022</a:t>
             </a:fld>
             <a:endParaRPr lang="en-GB"/>
           </a:p>
@@ -594,7 +594,7 @@
           <a:p>
             <a:fld id="{E53556A6-779D-436A-9960-E76995E88BDD}" type="datetimeFigureOut">
               <a:rPr lang="en-GB" smtClean="0"/>
-              <a:t>13/07/2022</a:t>
+              <a:t>24/08/2022</a:t>
             </a:fld>
             <a:endParaRPr lang="en-GB"/>
           </a:p>
@@ -764,7 +764,7 @@
           <a:p>
             <a:fld id="{E53556A6-779D-436A-9960-E76995E88BDD}" type="datetimeFigureOut">
               <a:rPr lang="en-GB" smtClean="0"/>
-              <a:t>13/07/2022</a:t>
+              <a:t>24/08/2022</a:t>
             </a:fld>
             <a:endParaRPr lang="en-GB"/>
           </a:p>
@@ -1008,7 +1008,7 @@
           <a:p>
             <a:fld id="{E53556A6-779D-436A-9960-E76995E88BDD}" type="datetimeFigureOut">
               <a:rPr lang="en-GB" smtClean="0"/>
-              <a:t>13/07/2022</a:t>
+              <a:t>24/08/2022</a:t>
             </a:fld>
             <a:endParaRPr lang="en-GB"/>
           </a:p>
@@ -1240,7 +1240,7 @@
           <a:p>
             <a:fld id="{E53556A6-779D-436A-9960-E76995E88BDD}" type="datetimeFigureOut">
               <a:rPr lang="en-GB" smtClean="0"/>
-              <a:t>13/07/2022</a:t>
+              <a:t>24/08/2022</a:t>
             </a:fld>
             <a:endParaRPr lang="en-GB"/>
           </a:p>
@@ -1607,7 +1607,7 @@
           <a:p>
             <a:fld id="{E53556A6-779D-436A-9960-E76995E88BDD}" type="datetimeFigureOut">
               <a:rPr lang="en-GB" smtClean="0"/>
-              <a:t>13/07/2022</a:t>
+              <a:t>24/08/2022</a:t>
             </a:fld>
             <a:endParaRPr lang="en-GB"/>
           </a:p>
@@ -1725,7 +1725,7 @@
           <a:p>
             <a:fld id="{E53556A6-779D-436A-9960-E76995E88BDD}" type="datetimeFigureOut">
               <a:rPr lang="en-GB" smtClean="0"/>
-              <a:t>13/07/2022</a:t>
+              <a:t>24/08/2022</a:t>
             </a:fld>
             <a:endParaRPr lang="en-GB"/>
           </a:p>
@@ -1820,7 +1820,7 @@
           <a:p>
             <a:fld id="{E53556A6-779D-436A-9960-E76995E88BDD}" type="datetimeFigureOut">
               <a:rPr lang="en-GB" smtClean="0"/>
-              <a:t>13/07/2022</a:t>
+              <a:t>24/08/2022</a:t>
             </a:fld>
             <a:endParaRPr lang="en-GB"/>
           </a:p>
@@ -2097,7 +2097,7 @@
           <a:p>
             <a:fld id="{E53556A6-779D-436A-9960-E76995E88BDD}" type="datetimeFigureOut">
               <a:rPr lang="en-GB" smtClean="0"/>
-              <a:t>13/07/2022</a:t>
+              <a:t>24/08/2022</a:t>
             </a:fld>
             <a:endParaRPr lang="en-GB"/>
           </a:p>
@@ -2354,7 +2354,7 @@
           <a:p>
             <a:fld id="{E53556A6-779D-436A-9960-E76995E88BDD}" type="datetimeFigureOut">
               <a:rPr lang="en-GB" smtClean="0"/>
-              <a:t>13/07/2022</a:t>
+              <a:t>24/08/2022</a:t>
             </a:fld>
             <a:endParaRPr lang="en-GB"/>
           </a:p>
@@ -2567,7 +2567,7 @@
           <a:p>
             <a:fld id="{E53556A6-779D-436A-9960-E76995E88BDD}" type="datetimeFigureOut">
               <a:rPr lang="en-GB" smtClean="0"/>
-              <a:t>13/07/2022</a:t>
+              <a:t>24/08/2022</a:t>
             </a:fld>
             <a:endParaRPr lang="en-GB"/>
           </a:p>
@@ -5546,7 +5546,7 @@
           <a:graphicData uri="http://schemas.openxmlformats.org/presentationml/2006/ole">
             <mc:AlternateContent xmlns:mc="http://schemas.openxmlformats.org/markup-compatibility/2006">
               <mc:Choice xmlns:v="urn:schemas-microsoft-com:vml" Requires="v">
-                <p:oleObj spid="_x0000_s1043" name="Bitmap Image" r:id="rId7" imgW="5295960" imgH="5181480" progId="Paint.Picture">
+                <p:oleObj spid="_x0000_s1044" name="Bitmap Image" r:id="rId7" imgW="5295960" imgH="5181480" progId="Paint.Picture">
                   <p:embed/>
                 </p:oleObj>
               </mc:Choice>
@@ -8398,7 +8398,15 @@
               </a:r>
               <a:r>
                 <a:rPr lang="en-GB" sz="1200" dirty="0"/>
-                <a:t> manufactures and install bifacial PV panels</a:t>
+                <a:t> manufactures </a:t>
+              </a:r>
+              <a:r>
+                <a:rPr lang="en-GB" sz="1200"/>
+                <a:t>and installs </a:t>
+              </a:r>
+              <a:r>
+                <a:rPr lang="en-GB" sz="1200" dirty="0"/>
+                <a:t>bifacial PV panels</a:t>
               </a:r>
             </a:p>
           </p:txBody>

--- a/Figures/Chapter_01/drawings/Fig_PV_history.pptx
+++ b/Figures/Chapter_01/drawings/Fig_PV_history.pptx
@@ -244,7 +244,7 @@
           <a:p>
             <a:fld id="{E53556A6-779D-436A-9960-E76995E88BDD}" type="datetimeFigureOut">
               <a:rPr lang="en-GB" smtClean="0"/>
-              <a:t>24/08/2022</a:t>
+              <a:t>15/09/2022</a:t>
             </a:fld>
             <a:endParaRPr lang="en-GB"/>
           </a:p>
@@ -414,7 +414,7 @@
           <a:p>
             <a:fld id="{E53556A6-779D-436A-9960-E76995E88BDD}" type="datetimeFigureOut">
               <a:rPr lang="en-GB" smtClean="0"/>
-              <a:t>24/08/2022</a:t>
+              <a:t>15/09/2022</a:t>
             </a:fld>
             <a:endParaRPr lang="en-GB"/>
           </a:p>
@@ -594,7 +594,7 @@
           <a:p>
             <a:fld id="{E53556A6-779D-436A-9960-E76995E88BDD}" type="datetimeFigureOut">
               <a:rPr lang="en-GB" smtClean="0"/>
-              <a:t>24/08/2022</a:t>
+              <a:t>15/09/2022</a:t>
             </a:fld>
             <a:endParaRPr lang="en-GB"/>
           </a:p>
@@ -764,7 +764,7 @@
           <a:p>
             <a:fld id="{E53556A6-779D-436A-9960-E76995E88BDD}" type="datetimeFigureOut">
               <a:rPr lang="en-GB" smtClean="0"/>
-              <a:t>24/08/2022</a:t>
+              <a:t>15/09/2022</a:t>
             </a:fld>
             <a:endParaRPr lang="en-GB"/>
           </a:p>
@@ -1008,7 +1008,7 @@
           <a:p>
             <a:fld id="{E53556A6-779D-436A-9960-E76995E88BDD}" type="datetimeFigureOut">
               <a:rPr lang="en-GB" smtClean="0"/>
-              <a:t>24/08/2022</a:t>
+              <a:t>15/09/2022</a:t>
             </a:fld>
             <a:endParaRPr lang="en-GB"/>
           </a:p>
@@ -1240,7 +1240,7 @@
           <a:p>
             <a:fld id="{E53556A6-779D-436A-9960-E76995E88BDD}" type="datetimeFigureOut">
               <a:rPr lang="en-GB" smtClean="0"/>
-              <a:t>24/08/2022</a:t>
+              <a:t>15/09/2022</a:t>
             </a:fld>
             <a:endParaRPr lang="en-GB"/>
           </a:p>
@@ -1607,7 +1607,7 @@
           <a:p>
             <a:fld id="{E53556A6-779D-436A-9960-E76995E88BDD}" type="datetimeFigureOut">
               <a:rPr lang="en-GB" smtClean="0"/>
-              <a:t>24/08/2022</a:t>
+              <a:t>15/09/2022</a:t>
             </a:fld>
             <a:endParaRPr lang="en-GB"/>
           </a:p>
@@ -1725,7 +1725,7 @@
           <a:p>
             <a:fld id="{E53556A6-779D-436A-9960-E76995E88BDD}" type="datetimeFigureOut">
               <a:rPr lang="en-GB" smtClean="0"/>
-              <a:t>24/08/2022</a:t>
+              <a:t>15/09/2022</a:t>
             </a:fld>
             <a:endParaRPr lang="en-GB"/>
           </a:p>
@@ -1820,7 +1820,7 @@
           <a:p>
             <a:fld id="{E53556A6-779D-436A-9960-E76995E88BDD}" type="datetimeFigureOut">
               <a:rPr lang="en-GB" smtClean="0"/>
-              <a:t>24/08/2022</a:t>
+              <a:t>15/09/2022</a:t>
             </a:fld>
             <a:endParaRPr lang="en-GB"/>
           </a:p>
@@ -2097,7 +2097,7 @@
           <a:p>
             <a:fld id="{E53556A6-779D-436A-9960-E76995E88BDD}" type="datetimeFigureOut">
               <a:rPr lang="en-GB" smtClean="0"/>
-              <a:t>24/08/2022</a:t>
+              <a:t>15/09/2022</a:t>
             </a:fld>
             <a:endParaRPr lang="en-GB"/>
           </a:p>
@@ -2354,7 +2354,7 @@
           <a:p>
             <a:fld id="{E53556A6-779D-436A-9960-E76995E88BDD}" type="datetimeFigureOut">
               <a:rPr lang="en-GB" smtClean="0"/>
-              <a:t>24/08/2022</a:t>
+              <a:t>15/09/2022</a:t>
             </a:fld>
             <a:endParaRPr lang="en-GB"/>
           </a:p>
@@ -2567,7 +2567,7 @@
           <a:p>
             <a:fld id="{E53556A6-779D-436A-9960-E76995E88BDD}" type="datetimeFigureOut">
               <a:rPr lang="en-GB" smtClean="0"/>
-              <a:t>24/08/2022</a:t>
+              <a:t>15/09/2022</a:t>
             </a:fld>
             <a:endParaRPr lang="en-GB"/>
           </a:p>
@@ -3114,9 +3114,9 @@
         <p:grpSpPr>
           <a:xfrm>
             <a:off x="131938" y="57908"/>
-            <a:ext cx="7323724" cy="11533442"/>
+            <a:ext cx="7323724" cy="11639217"/>
             <a:chOff x="131938" y="57908"/>
-            <a:chExt cx="7323724" cy="11533442"/>
+            <a:chExt cx="7323724" cy="11639217"/>
           </a:xfrm>
         </p:grpSpPr>
         <p:pic>
@@ -3141,7 +3141,7 @@
           </p:blipFill>
           <p:spPr>
             <a:xfrm>
-              <a:off x="5226350" y="9709391"/>
+              <a:off x="5007385" y="9815166"/>
               <a:ext cx="1847585" cy="1881959"/>
             </a:xfrm>
             <a:prstGeom prst="rect">
@@ -3325,7 +3325,7 @@
           <p:spPr>
             <a:xfrm>
               <a:off x="183263" y="169564"/>
-              <a:ext cx="3034617" cy="1384995"/>
+              <a:ext cx="3034617" cy="1569660"/>
             </a:xfrm>
             <a:prstGeom prst="rect">
               <a:avLst/>
@@ -3367,7 +3367,26 @@
                   <a:effectLst/>
                   <a:ea typeface="Times New Roman" panose="02020603050405020304" pitchFamily="18" charset="0"/>
                 </a:rPr>
-                <a:t>, that is, the conversion of photons to electrons. Becquerel placed two platinum electrodes in a container filled with an electrolyte and measured that the current flowing between the electrodes increased when the setup was exposed to sunlight.</a:t>
+                <a:t>, that is, t</a:t>
+              </a:r>
+              <a:r>
+                <a:rPr lang="en-GB" sz="1200" dirty="0">
+                  <a:solidFill>
+                    <a:srgbClr val="0E101A"/>
+                  </a:solidFill>
+                  <a:ea typeface="Times New Roman" panose="02020603050405020304" pitchFamily="18" charset="0"/>
+                </a:rPr>
+                <a:t>he conversion of absorbed light into electricity</a:t>
+              </a:r>
+              <a:r>
+                <a:rPr lang="en-GB" sz="1200" dirty="0">
+                  <a:solidFill>
+                    <a:srgbClr val="0E101A"/>
+                  </a:solidFill>
+                  <a:effectLst/>
+                  <a:ea typeface="Times New Roman" panose="02020603050405020304" pitchFamily="18" charset="0"/>
+                </a:rPr>
+                <a:t>. Becquerel placed two platinum electrodes in a container filled with an electrolyte and measured that the current flowing between the electrodes increased when the setup was exposed to sunlight.</a:t>
               </a:r>
               <a:endParaRPr lang="en-GB" sz="1200" dirty="0"/>
             </a:p>
@@ -3981,7 +4000,7 @@
           <p:spPr>
             <a:xfrm>
               <a:off x="4421045" y="3890087"/>
-              <a:ext cx="3034617" cy="1015663"/>
+              <a:ext cx="3034617" cy="830997"/>
             </a:xfrm>
             <a:prstGeom prst="rect">
               <a:avLst/>
@@ -3997,7 +4016,7 @@
               <a:pPr algn="just"/>
               <a:r>
                 <a:rPr lang="en-GB" sz="1200" dirty="0"/>
-                <a:t>Albert Einstein presents his quantum theory. Einstein explains the photoelectric effect by assuming that the light energy is being carried with quantized packages of energy that we call photons.</a:t>
+                <a:t>Albert Einstein presents his quantum theory. Einstein explains the photoelectric effect by assuming that light consists of quantized energy packages that we call  photons.  </a:t>
               </a:r>
             </a:p>
           </p:txBody>
@@ -4377,7 +4396,15 @@
               <a:pPr algn="just"/>
               <a:r>
                 <a:rPr lang="en-GB" sz="1200" dirty="0"/>
-                <a:t>William B. Shockley, the coinventor of the transistor, explains the principles of operation of the PN junction. PV solar cells are developed during this decade at Bell Labs.</a:t>
+                <a:t>William B. Shockley, the coinventor of the transistor, explains the principles of operation of the </a:t>
+              </a:r>
+              <a:r>
+                <a:rPr lang="en-GB" sz="1200" dirty="0" err="1"/>
+                <a:t>pn</a:t>
+              </a:r>
+              <a:r>
+                <a:rPr lang="en-GB" sz="1200" dirty="0"/>
+                <a:t> junction. PV solar cells are developed during this decade at Bell Labs.</a:t>
               </a:r>
             </a:p>
           </p:txBody>
@@ -4617,7 +4644,27 @@
                   <a:effectLst/>
                   <a:ea typeface="Times New Roman" panose="02020603050405020304" pitchFamily="18" charset="0"/>
                 </a:rPr>
-                <a:t>In the same year, a thin-film heterojunction solar cell based on Cu2S/</a:t>
+                <a:t>In the same year, a thin-film heterojunction solar cell based on Cu</a:t>
+              </a:r>
+              <a:r>
+                <a:rPr lang="en-GB" sz="1200" baseline="-25000" dirty="0">
+                  <a:solidFill>
+                    <a:srgbClr val="0E101A"/>
+                  </a:solidFill>
+                  <a:effectLst/>
+                  <a:ea typeface="Times New Roman" panose="02020603050405020304" pitchFamily="18" charset="0"/>
+                </a:rPr>
+                <a:t>2</a:t>
+              </a:r>
+              <a:r>
+                <a:rPr lang="en-GB" sz="1200" dirty="0">
+                  <a:solidFill>
+                    <a:srgbClr val="0E101A"/>
+                  </a:solidFill>
+                  <a:effectLst/>
+                  <a:ea typeface="Times New Roman" panose="02020603050405020304" pitchFamily="18" charset="0"/>
+                </a:rPr>
+                <a:t>S/</a:t>
               </a:r>
               <a:r>
                 <a:rPr lang="en-GB" sz="1200" dirty="0" err="1">
@@ -5176,8 +5223,8 @@
           </p:nvSpPr>
           <p:spPr>
             <a:xfrm>
-              <a:off x="4421044" y="8924800"/>
-              <a:ext cx="3034617" cy="1015663"/>
+              <a:off x="4421045" y="8924800"/>
+              <a:ext cx="2975383" cy="1015663"/>
             </a:xfrm>
             <a:prstGeom prst="rect">
               <a:avLst/>
@@ -5201,7 +5248,7 @@
               </a:r>
               <a:r>
                 <a:rPr lang="en-GB" sz="1200" dirty="0"/>
-                <a:t> published a scientific article in which they calculated the maximum theoretical efficiency that can be attained by a solar cell. The </a:t>
+                <a:t> developed the Detailed Balance theory for calculating the maximum theoretical efficiency that can be attained by a solar cell. The </a:t>
               </a:r>
               <a:r>
                 <a:rPr lang="en-GB" sz="1200" dirty="0" err="1"/>
@@ -5546,7 +5593,7 @@
           <a:graphicData uri="http://schemas.openxmlformats.org/presentationml/2006/ole">
             <mc:AlternateContent xmlns:mc="http://schemas.openxmlformats.org/markup-compatibility/2006">
               <mc:Choice xmlns:v="urn:schemas-microsoft-com:vml" Requires="v">
-                <p:oleObj spid="_x0000_s1044" name="Bitmap Image" r:id="rId7" imgW="5295960" imgH="5181480" progId="Paint.Picture">
+                <p:oleObj spid="_x0000_s1050" name="Bitmap Image" r:id="rId7" imgW="5295960" imgH="5181480" progId="Paint.Picture">
                   <p:embed/>
                 </p:oleObj>
               </mc:Choice>
@@ -5807,10 +5854,10 @@
         </p:nvGrpSpPr>
         <p:grpSpPr>
           <a:xfrm>
-            <a:off x="149127" y="207179"/>
-            <a:ext cx="7398187" cy="11166340"/>
-            <a:chOff x="149127" y="207179"/>
-            <a:chExt cx="7398187" cy="11166340"/>
+            <a:off x="136384" y="207179"/>
+            <a:ext cx="7410930" cy="11166340"/>
+            <a:chOff x="136384" y="207179"/>
+            <a:chExt cx="7410930" cy="11166340"/>
           </a:xfrm>
         </p:grpSpPr>
         <p:cxnSp>
@@ -5911,7 +5958,37 @@
                   <a:effectLst/>
                   <a:ea typeface="Times New Roman" panose="02020603050405020304" pitchFamily="18" charset="0"/>
                 </a:rPr>
-                <a:t> Institute in San Petersburg led by Alferov developed a solar cell based on gallium arsenide heterojunction. The main benefits of GaAs cells were their high efficiency and resistance to the ionizing radiation in space.</a:t>
+                <a:t> Institute in San Petersburg led by Alferov developed a solar cell based on </a:t>
+              </a:r>
+              <a:r>
+                <a:rPr lang="en-GB" sz="1200" dirty="0" err="1">
+                  <a:solidFill>
+                    <a:srgbClr val="0E101A"/>
+                  </a:solidFill>
+                  <a:effectLst/>
+                  <a:ea typeface="Times New Roman" panose="02020603050405020304" pitchFamily="18" charset="0"/>
+                </a:rPr>
+                <a:t>GaAlAs</a:t>
+              </a:r>
+              <a:r>
+                <a:rPr lang="en-GB" sz="1200">
+                  <a:solidFill>
+                    <a:srgbClr val="0E101A"/>
+                  </a:solidFill>
+                  <a:effectLst/>
+                  <a:ea typeface="Times New Roman" panose="02020603050405020304" pitchFamily="18" charset="0"/>
+                </a:rPr>
+                <a:t>/GaAs heterojunction</a:t>
+              </a:r>
+              <a:r>
+                <a:rPr lang="en-GB" sz="1200" dirty="0">
+                  <a:solidFill>
+                    <a:srgbClr val="0E101A"/>
+                  </a:solidFill>
+                  <a:effectLst/>
+                  <a:ea typeface="Times New Roman" panose="02020603050405020304" pitchFamily="18" charset="0"/>
+                </a:rPr>
+                <a:t>. The main benefits of GaAs cells were their high efficiency and resistance to the ionizing radiation in space.</a:t>
               </a:r>
             </a:p>
           </p:txBody>
@@ -6477,7 +6554,7 @@
               <a:pPr algn="just"/>
               <a:r>
                 <a:rPr lang="en-GB" sz="1200" dirty="0"/>
-                <a:t>Solar PV covers 20% of the annual electricity demand in California.</a:t>
+                <a:t>Solar PV covers 20% of the annual electricity demand in California (USA).</a:t>
               </a:r>
             </a:p>
           </p:txBody>
@@ -8795,8 +8872,8 @@
           </p:nvSpPr>
           <p:spPr>
             <a:xfrm>
-              <a:off x="158156" y="5636772"/>
-              <a:ext cx="3072394" cy="646331"/>
+              <a:off x="136384" y="5626326"/>
+              <a:ext cx="3123554" cy="646331"/>
             </a:xfrm>
             <a:prstGeom prst="rect">
               <a:avLst/>
@@ -8812,7 +8889,7 @@
               <a:pPr algn="just"/>
               <a:r>
                 <a:rPr lang="en-GB" sz="1200" dirty="0"/>
-                <a:t>Silicon solar cell attained efficiency &gt;20% under standard sunlight (UNSW, Australia) and &gt;25% under 200X concentration (Stanford)</a:t>
+                <a:t>Silicon solar cell attained efficiency &gt;20% under standard sunlight (UNSW, Australia) and &gt;25% under 200X concentration (Stanford Univ., USA)</a:t>
               </a:r>
             </a:p>
           </p:txBody>

--- a/Figures/Chapter_01/drawings/Fig_PV_history.pptx
+++ b/Figures/Chapter_01/drawings/Fig_PV_history.pptx
@@ -244,7 +244,7 @@
           <a:p>
             <a:fld id="{E53556A6-779D-436A-9960-E76995E88BDD}" type="datetimeFigureOut">
               <a:rPr lang="en-GB" smtClean="0"/>
-              <a:t>15/09/2022</a:t>
+              <a:t>30/09/2022</a:t>
             </a:fld>
             <a:endParaRPr lang="en-GB"/>
           </a:p>
@@ -414,7 +414,7 @@
           <a:p>
             <a:fld id="{E53556A6-779D-436A-9960-E76995E88BDD}" type="datetimeFigureOut">
               <a:rPr lang="en-GB" smtClean="0"/>
-              <a:t>15/09/2022</a:t>
+              <a:t>30/09/2022</a:t>
             </a:fld>
             <a:endParaRPr lang="en-GB"/>
           </a:p>
@@ -594,7 +594,7 @@
           <a:p>
             <a:fld id="{E53556A6-779D-436A-9960-E76995E88BDD}" type="datetimeFigureOut">
               <a:rPr lang="en-GB" smtClean="0"/>
-              <a:t>15/09/2022</a:t>
+              <a:t>30/09/2022</a:t>
             </a:fld>
             <a:endParaRPr lang="en-GB"/>
           </a:p>
@@ -764,7 +764,7 @@
           <a:p>
             <a:fld id="{E53556A6-779D-436A-9960-E76995E88BDD}" type="datetimeFigureOut">
               <a:rPr lang="en-GB" smtClean="0"/>
-              <a:t>15/09/2022</a:t>
+              <a:t>30/09/2022</a:t>
             </a:fld>
             <a:endParaRPr lang="en-GB"/>
           </a:p>
@@ -1008,7 +1008,7 @@
           <a:p>
             <a:fld id="{E53556A6-779D-436A-9960-E76995E88BDD}" type="datetimeFigureOut">
               <a:rPr lang="en-GB" smtClean="0"/>
-              <a:t>15/09/2022</a:t>
+              <a:t>30/09/2022</a:t>
             </a:fld>
             <a:endParaRPr lang="en-GB"/>
           </a:p>
@@ -1240,7 +1240,7 @@
           <a:p>
             <a:fld id="{E53556A6-779D-436A-9960-E76995E88BDD}" type="datetimeFigureOut">
               <a:rPr lang="en-GB" smtClean="0"/>
-              <a:t>15/09/2022</a:t>
+              <a:t>30/09/2022</a:t>
             </a:fld>
             <a:endParaRPr lang="en-GB"/>
           </a:p>
@@ -1607,7 +1607,7 @@
           <a:p>
             <a:fld id="{E53556A6-779D-436A-9960-E76995E88BDD}" type="datetimeFigureOut">
               <a:rPr lang="en-GB" smtClean="0"/>
-              <a:t>15/09/2022</a:t>
+              <a:t>30/09/2022</a:t>
             </a:fld>
             <a:endParaRPr lang="en-GB"/>
           </a:p>
@@ -1725,7 +1725,7 @@
           <a:p>
             <a:fld id="{E53556A6-779D-436A-9960-E76995E88BDD}" type="datetimeFigureOut">
               <a:rPr lang="en-GB" smtClean="0"/>
-              <a:t>15/09/2022</a:t>
+              <a:t>30/09/2022</a:t>
             </a:fld>
             <a:endParaRPr lang="en-GB"/>
           </a:p>
@@ -1820,7 +1820,7 @@
           <a:p>
             <a:fld id="{E53556A6-779D-436A-9960-E76995E88BDD}" type="datetimeFigureOut">
               <a:rPr lang="en-GB" smtClean="0"/>
-              <a:t>15/09/2022</a:t>
+              <a:t>30/09/2022</a:t>
             </a:fld>
             <a:endParaRPr lang="en-GB"/>
           </a:p>
@@ -2097,7 +2097,7 @@
           <a:p>
             <a:fld id="{E53556A6-779D-436A-9960-E76995E88BDD}" type="datetimeFigureOut">
               <a:rPr lang="en-GB" smtClean="0"/>
-              <a:t>15/09/2022</a:t>
+              <a:t>30/09/2022</a:t>
             </a:fld>
             <a:endParaRPr lang="en-GB"/>
           </a:p>
@@ -2354,7 +2354,7 @@
           <a:p>
             <a:fld id="{E53556A6-779D-436A-9960-E76995E88BDD}" type="datetimeFigureOut">
               <a:rPr lang="en-GB" smtClean="0"/>
-              <a:t>15/09/2022</a:t>
+              <a:t>30/09/2022</a:t>
             </a:fld>
             <a:endParaRPr lang="en-GB"/>
           </a:p>
@@ -2567,7 +2567,7 @@
           <a:p>
             <a:fld id="{E53556A6-779D-436A-9960-E76995E88BDD}" type="datetimeFigureOut">
               <a:rPr lang="en-GB" smtClean="0"/>
-              <a:t>15/09/2022</a:t>
+              <a:t>30/09/2022</a:t>
             </a:fld>
             <a:endParaRPr lang="en-GB"/>
           </a:p>
@@ -5593,7 +5593,7 @@
           <a:graphicData uri="http://schemas.openxmlformats.org/presentationml/2006/ole">
             <mc:AlternateContent xmlns:mc="http://schemas.openxmlformats.org/markup-compatibility/2006">
               <mc:Choice xmlns:v="urn:schemas-microsoft-com:vml" Requires="v">
-                <p:oleObj spid="_x0000_s1050" name="Bitmap Image" r:id="rId7" imgW="5295960" imgH="5181480" progId="Paint.Picture">
+                <p:oleObj spid="_x0000_s1051" name="Bitmap Image" r:id="rId7" imgW="5295960" imgH="5181480" progId="Paint.Picture">
                   <p:embed/>
                 </p:oleObj>
               </mc:Choice>
@@ -5842,10 +5842,10 @@
       </p:pic>
       <p:grpSp>
         <p:nvGrpSpPr>
-          <p:cNvPr id="2" name="Group 1">
+          <p:cNvPr id="6" name="Group 5">
             <a:extLst>
               <a:ext uri="{FF2B5EF4-FFF2-40B4-BE49-F238E27FC236}">
-                <a16:creationId xmlns:a16="http://schemas.microsoft.com/office/drawing/2014/main" id="{F1624004-0B1E-4B60-8A9A-C4F8C764A846}"/>
+                <a16:creationId xmlns:a16="http://schemas.microsoft.com/office/drawing/2014/main" id="{70EE94F3-D2E1-454F-8B8D-D66305DBDD27}"/>
               </a:ext>
             </a:extLst>
           </p:cNvPr>
@@ -6419,7 +6419,7 @@
           </p:nvGrpSpPr>
           <p:grpSpPr>
             <a:xfrm>
-              <a:off x="3684151" y="10479152"/>
+              <a:off x="3684151" y="10655614"/>
               <a:ext cx="684000" cy="180000"/>
               <a:chOff x="3684151" y="704483"/>
               <a:chExt cx="684000" cy="180000"/>
@@ -6537,7 +6537,7 @@
           </p:nvSpPr>
           <p:spPr>
             <a:xfrm>
-              <a:off x="4421046" y="10253711"/>
+              <a:off x="4421046" y="10430173"/>
               <a:ext cx="3034616" cy="461665"/>
             </a:xfrm>
             <a:prstGeom prst="rect">
@@ -6573,7 +6573,7 @@
           </p:nvSpPr>
           <p:spPr>
             <a:xfrm>
-              <a:off x="3844685" y="10297641"/>
+              <a:off x="3844685" y="10474103"/>
               <a:ext cx="556925" cy="276999"/>
             </a:xfrm>
             <a:prstGeom prst="rect">
@@ -6986,7 +6986,7 @@
           </p:nvGrpSpPr>
           <p:grpSpPr>
             <a:xfrm>
-              <a:off x="3687693" y="10812304"/>
+              <a:off x="3687693" y="10988766"/>
               <a:ext cx="684000" cy="180000"/>
               <a:chOff x="3684151" y="704483"/>
               <a:chExt cx="684000" cy="180000"/>
@@ -7104,7 +7104,7 @@
           </p:nvSpPr>
           <p:spPr>
             <a:xfrm>
-              <a:off x="4424588" y="10743292"/>
+              <a:off x="4424588" y="10919754"/>
               <a:ext cx="3034616" cy="276999"/>
             </a:xfrm>
             <a:prstGeom prst="rect">
@@ -7140,7 +7140,7 @@
           </p:nvSpPr>
           <p:spPr>
             <a:xfrm>
-              <a:off x="3848227" y="10630793"/>
+              <a:off x="3848227" y="10807255"/>
               <a:ext cx="556925" cy="276999"/>
             </a:xfrm>
             <a:prstGeom prst="rect">
@@ -8947,209 +8947,410 @@
             </a:extLst>
           </p:spPr>
         </p:pic>
+        <p:grpSp>
+          <p:nvGrpSpPr>
+            <p:cNvPr id="118" name="Group 117">
+              <a:extLst>
+                <a:ext uri="{FF2B5EF4-FFF2-40B4-BE49-F238E27FC236}">
+                  <a16:creationId xmlns:a16="http://schemas.microsoft.com/office/drawing/2014/main" id="{C00EEAF3-A828-4C2C-B4FE-73BA082E3BE3}"/>
+                </a:ext>
+              </a:extLst>
+            </p:cNvPr>
+            <p:cNvGrpSpPr/>
+            <p:nvPr/>
+          </p:nvGrpSpPr>
+          <p:grpSpPr>
+            <a:xfrm rot="10800000">
+              <a:off x="3181845" y="9117234"/>
+              <a:ext cx="684000" cy="180000"/>
+              <a:chOff x="3684151" y="704483"/>
+              <a:chExt cx="684000" cy="180000"/>
+            </a:xfrm>
+          </p:grpSpPr>
+          <p:sp>
+            <p:nvSpPr>
+              <p:cNvPr id="119" name="Oval 118">
+                <a:extLst>
+                  <a:ext uri="{FF2B5EF4-FFF2-40B4-BE49-F238E27FC236}">
+                    <a16:creationId xmlns:a16="http://schemas.microsoft.com/office/drawing/2014/main" id="{32DFAFE3-5744-497A-AE7A-28D6C282FB16}"/>
+                  </a:ext>
+                </a:extLst>
+              </p:cNvPr>
+              <p:cNvSpPr/>
+              <p:nvPr/>
+            </p:nvSpPr>
+            <p:spPr>
+              <a:xfrm>
+                <a:off x="3684151" y="704483"/>
+                <a:ext cx="180000" cy="180000"/>
+              </a:xfrm>
+              <a:prstGeom prst="ellipse">
+                <a:avLst/>
+              </a:prstGeom>
+              <a:solidFill>
+                <a:schemeClr val="bg1"/>
+              </a:solidFill>
+              <a:ln w="38100">
+                <a:solidFill>
+                  <a:srgbClr val="C00000"/>
+                </a:solidFill>
+              </a:ln>
+            </p:spPr>
+            <p:style>
+              <a:lnRef idx="2">
+                <a:schemeClr val="accent1">
+                  <a:shade val="50000"/>
+                </a:schemeClr>
+              </a:lnRef>
+              <a:fillRef idx="1">
+                <a:schemeClr val="accent1"/>
+              </a:fillRef>
+              <a:effectRef idx="0">
+                <a:schemeClr val="accent1"/>
+              </a:effectRef>
+              <a:fontRef idx="minor">
+                <a:schemeClr val="lt1"/>
+              </a:fontRef>
+            </p:style>
+            <p:txBody>
+              <a:bodyPr rtlCol="0" anchor="ctr"/>
+              <a:lstStyle/>
+              <a:p>
+                <a:pPr algn="ctr"/>
+                <a:endParaRPr lang="en-GB"/>
+              </a:p>
+            </p:txBody>
+          </p:sp>
+          <p:cxnSp>
+            <p:nvCxnSpPr>
+              <p:cNvPr id="120" name="Straight Connector 119">
+                <a:extLst>
+                  <a:ext uri="{FF2B5EF4-FFF2-40B4-BE49-F238E27FC236}">
+                    <a16:creationId xmlns:a16="http://schemas.microsoft.com/office/drawing/2014/main" id="{63C5ADFA-613D-4A9C-8A62-7A8E39E28847}"/>
+                  </a:ext>
+                </a:extLst>
+              </p:cNvPr>
+              <p:cNvCxnSpPr>
+                <a:cxnSpLocks/>
+              </p:cNvCxnSpPr>
+              <p:nvPr/>
+            </p:nvCxnSpPr>
+            <p:spPr>
+              <a:xfrm>
+                <a:off x="3864151" y="794483"/>
+                <a:ext cx="504000" cy="0"/>
+              </a:xfrm>
+              <a:prstGeom prst="line">
+                <a:avLst/>
+              </a:prstGeom>
+              <a:ln w="38100">
+                <a:solidFill>
+                  <a:srgbClr val="C00000"/>
+                </a:solidFill>
+              </a:ln>
+            </p:spPr>
+            <p:style>
+              <a:lnRef idx="1">
+                <a:schemeClr val="accent1"/>
+              </a:lnRef>
+              <a:fillRef idx="0">
+                <a:schemeClr val="accent1"/>
+              </a:fillRef>
+              <a:effectRef idx="0">
+                <a:schemeClr val="accent1"/>
+              </a:effectRef>
+              <a:fontRef idx="minor">
+                <a:schemeClr val="tx1"/>
+              </a:fontRef>
+            </p:style>
+          </p:cxnSp>
+        </p:grpSp>
+        <p:sp>
+          <p:nvSpPr>
+            <p:cNvPr id="121" name="TextBox 120">
+              <a:extLst>
+                <a:ext uri="{FF2B5EF4-FFF2-40B4-BE49-F238E27FC236}">
+                  <a16:creationId xmlns:a16="http://schemas.microsoft.com/office/drawing/2014/main" id="{54BA063E-76E5-42C6-98DC-8737277EA9AC}"/>
+                </a:ext>
+              </a:extLst>
+            </p:cNvPr>
+            <p:cNvSpPr txBox="1"/>
+            <p:nvPr/>
+          </p:nvSpPr>
+          <p:spPr>
+            <a:xfrm>
+              <a:off x="3223855" y="8942772"/>
+              <a:ext cx="556925" cy="276999"/>
+            </a:xfrm>
+            <a:prstGeom prst="rect">
+              <a:avLst/>
+            </a:prstGeom>
+            <a:noFill/>
+          </p:spPr>
+          <p:txBody>
+            <a:bodyPr wrap="square" rtlCol="0">
+              <a:spAutoFit/>
+            </a:bodyPr>
+            <a:lstStyle/>
+            <a:p>
+              <a:pPr algn="just"/>
+              <a:r>
+                <a:rPr lang="en-GB" sz="1200" dirty="0">
+                  <a:solidFill>
+                    <a:srgbClr val="C00000"/>
+                  </a:solidFill>
+                  <a:effectLst/>
+                  <a:ea typeface="Times New Roman" panose="02020603050405020304" pitchFamily="18" charset="0"/>
+                </a:rPr>
+                <a:t>1999</a:t>
+              </a:r>
+              <a:endParaRPr lang="en-GB" sz="1200" dirty="0">
+                <a:solidFill>
+                  <a:srgbClr val="C00000"/>
+                </a:solidFill>
+              </a:endParaRPr>
+            </a:p>
+          </p:txBody>
+        </p:sp>
+        <p:grpSp>
+          <p:nvGrpSpPr>
+            <p:cNvPr id="122" name="Group 121">
+              <a:extLst>
+                <a:ext uri="{FF2B5EF4-FFF2-40B4-BE49-F238E27FC236}">
+                  <a16:creationId xmlns:a16="http://schemas.microsoft.com/office/drawing/2014/main" id="{51185A89-3D97-4EA6-B9FD-3AC0BB79CAF3}"/>
+                </a:ext>
+              </a:extLst>
+            </p:cNvPr>
+            <p:cNvGrpSpPr/>
+            <p:nvPr/>
+          </p:nvGrpSpPr>
+          <p:grpSpPr>
+            <a:xfrm rot="10800000">
+              <a:off x="3189867" y="10184031"/>
+              <a:ext cx="684000" cy="180000"/>
+              <a:chOff x="3684151" y="704483"/>
+              <a:chExt cx="684000" cy="180000"/>
+            </a:xfrm>
+          </p:grpSpPr>
+          <p:sp>
+            <p:nvSpPr>
+              <p:cNvPr id="123" name="Oval 122">
+                <a:extLst>
+                  <a:ext uri="{FF2B5EF4-FFF2-40B4-BE49-F238E27FC236}">
+                    <a16:creationId xmlns:a16="http://schemas.microsoft.com/office/drawing/2014/main" id="{5608DAC3-7C5E-441C-A411-A3D486C5E6B1}"/>
+                  </a:ext>
+                </a:extLst>
+              </p:cNvPr>
+              <p:cNvSpPr/>
+              <p:nvPr/>
+            </p:nvSpPr>
+            <p:spPr>
+              <a:xfrm>
+                <a:off x="3684151" y="704483"/>
+                <a:ext cx="180000" cy="180000"/>
+              </a:xfrm>
+              <a:prstGeom prst="ellipse">
+                <a:avLst/>
+              </a:prstGeom>
+              <a:solidFill>
+                <a:schemeClr val="bg1"/>
+              </a:solidFill>
+              <a:ln w="38100">
+                <a:solidFill>
+                  <a:srgbClr val="C00000"/>
+                </a:solidFill>
+              </a:ln>
+            </p:spPr>
+            <p:style>
+              <a:lnRef idx="2">
+                <a:schemeClr val="accent1">
+                  <a:shade val="50000"/>
+                </a:schemeClr>
+              </a:lnRef>
+              <a:fillRef idx="1">
+                <a:schemeClr val="accent1"/>
+              </a:fillRef>
+              <a:effectRef idx="0">
+                <a:schemeClr val="accent1"/>
+              </a:effectRef>
+              <a:fontRef idx="minor">
+                <a:schemeClr val="lt1"/>
+              </a:fontRef>
+            </p:style>
+            <p:txBody>
+              <a:bodyPr rtlCol="0" anchor="ctr"/>
+              <a:lstStyle/>
+              <a:p>
+                <a:pPr algn="ctr"/>
+                <a:endParaRPr lang="en-GB"/>
+              </a:p>
+            </p:txBody>
+          </p:sp>
+          <p:cxnSp>
+            <p:nvCxnSpPr>
+              <p:cNvPr id="124" name="Straight Connector 123">
+                <a:extLst>
+                  <a:ext uri="{FF2B5EF4-FFF2-40B4-BE49-F238E27FC236}">
+                    <a16:creationId xmlns:a16="http://schemas.microsoft.com/office/drawing/2014/main" id="{1E265271-7F26-4DEB-B32D-2E15DCC8F1E9}"/>
+                  </a:ext>
+                </a:extLst>
+              </p:cNvPr>
+              <p:cNvCxnSpPr>
+                <a:cxnSpLocks/>
+              </p:cNvCxnSpPr>
+              <p:nvPr/>
+            </p:nvCxnSpPr>
+            <p:spPr>
+              <a:xfrm>
+                <a:off x="3864151" y="794483"/>
+                <a:ext cx="504000" cy="0"/>
+              </a:xfrm>
+              <a:prstGeom prst="line">
+                <a:avLst/>
+              </a:prstGeom>
+              <a:ln w="38100">
+                <a:solidFill>
+                  <a:srgbClr val="C00000"/>
+                </a:solidFill>
+              </a:ln>
+            </p:spPr>
+            <p:style>
+              <a:lnRef idx="1">
+                <a:schemeClr val="accent1"/>
+              </a:lnRef>
+              <a:fillRef idx="0">
+                <a:schemeClr val="accent1"/>
+              </a:fillRef>
+              <a:effectRef idx="0">
+                <a:schemeClr val="accent1"/>
+              </a:effectRef>
+              <a:fontRef idx="minor">
+                <a:schemeClr val="tx1"/>
+              </a:fontRef>
+            </p:style>
+          </p:cxnSp>
+        </p:grpSp>
+        <p:sp>
+          <p:nvSpPr>
+            <p:cNvPr id="125" name="TextBox 124">
+              <a:extLst>
+                <a:ext uri="{FF2B5EF4-FFF2-40B4-BE49-F238E27FC236}">
+                  <a16:creationId xmlns:a16="http://schemas.microsoft.com/office/drawing/2014/main" id="{A479323D-7E79-4CF8-AC4C-CBFC2257B8BF}"/>
+                </a:ext>
+              </a:extLst>
+            </p:cNvPr>
+            <p:cNvSpPr txBox="1"/>
+            <p:nvPr/>
+          </p:nvSpPr>
+          <p:spPr>
+            <a:xfrm>
+              <a:off x="3231877" y="10009569"/>
+              <a:ext cx="556925" cy="276999"/>
+            </a:xfrm>
+            <a:prstGeom prst="rect">
+              <a:avLst/>
+            </a:prstGeom>
+            <a:noFill/>
+          </p:spPr>
+          <p:txBody>
+            <a:bodyPr wrap="square" rtlCol="0">
+              <a:spAutoFit/>
+            </a:bodyPr>
+            <a:lstStyle/>
+            <a:p>
+              <a:pPr algn="just"/>
+              <a:r>
+                <a:rPr lang="en-GB" sz="1200" dirty="0">
+                  <a:solidFill>
+                    <a:srgbClr val="C00000"/>
+                  </a:solidFill>
+                </a:rPr>
+                <a:t>2015</a:t>
+              </a:r>
+            </a:p>
+          </p:txBody>
+        </p:sp>
+        <p:sp>
+          <p:nvSpPr>
+            <p:cNvPr id="127" name="TextBox 126">
+              <a:extLst>
+                <a:ext uri="{FF2B5EF4-FFF2-40B4-BE49-F238E27FC236}">
+                  <a16:creationId xmlns:a16="http://schemas.microsoft.com/office/drawing/2014/main" id="{CBBDF616-E433-4F89-AEED-D1C1D3FF271C}"/>
+                </a:ext>
+              </a:extLst>
+            </p:cNvPr>
+            <p:cNvSpPr txBox="1"/>
+            <p:nvPr/>
+          </p:nvSpPr>
+          <p:spPr>
+            <a:xfrm>
+              <a:off x="466650" y="9053491"/>
+              <a:ext cx="2698146" cy="461665"/>
+            </a:xfrm>
+            <a:prstGeom prst="rect">
+              <a:avLst/>
+            </a:prstGeom>
+            <a:noFill/>
+          </p:spPr>
+          <p:txBody>
+            <a:bodyPr wrap="square" rtlCol="0">
+              <a:spAutoFit/>
+            </a:bodyPr>
+            <a:lstStyle/>
+            <a:p>
+              <a:pPr algn="just"/>
+              <a:r>
+                <a:rPr lang="en-GB" sz="1200" dirty="0"/>
+                <a:t>First silicon solar cell with 25% efficiency (PERL design) (UNSW, Australia) </a:t>
+              </a:r>
+            </a:p>
+          </p:txBody>
+        </p:sp>
+        <p:sp>
+          <p:nvSpPr>
+            <p:cNvPr id="128" name="TextBox 127">
+              <a:extLst>
+                <a:ext uri="{FF2B5EF4-FFF2-40B4-BE49-F238E27FC236}">
+                  <a16:creationId xmlns:a16="http://schemas.microsoft.com/office/drawing/2014/main" id="{3AA83768-F9B0-421F-9A77-C264E216EC14}"/>
+                </a:ext>
+              </a:extLst>
+            </p:cNvPr>
+            <p:cNvSpPr txBox="1"/>
+            <p:nvPr/>
+          </p:nvSpPr>
+          <p:spPr>
+            <a:xfrm>
+              <a:off x="240306" y="10022594"/>
+              <a:ext cx="3034617" cy="646331"/>
+            </a:xfrm>
+            <a:prstGeom prst="rect">
+              <a:avLst/>
+            </a:prstGeom>
+            <a:noFill/>
+          </p:spPr>
+          <p:txBody>
+            <a:bodyPr wrap="square" rtlCol="0">
+              <a:spAutoFit/>
+            </a:bodyPr>
+            <a:lstStyle/>
+            <a:p>
+              <a:pPr algn="just"/>
+              <a:r>
+                <a:rPr lang="en-GB" sz="1200" dirty="0"/>
+                <a:t>The race for high-efficient commercial silicon cells results in innovative cell architectures (IBC, </a:t>
+              </a:r>
+              <a:r>
+                <a:rPr lang="en-GB" sz="1200" dirty="0" err="1"/>
+                <a:t>TOPCon</a:t>
+              </a:r>
+              <a:r>
+                <a:rPr lang="en-GB" sz="1200" dirty="0"/>
+                <a:t>) with efficiency &gt;25%</a:t>
+              </a:r>
+            </a:p>
+          </p:txBody>
+        </p:sp>
       </p:grpSp>
-      <p:sp>
-        <p:nvSpPr>
-          <p:cNvPr id="90" name="TextBox 89">
-            <a:extLst>
-              <a:ext uri="{FF2B5EF4-FFF2-40B4-BE49-F238E27FC236}">
-                <a16:creationId xmlns:a16="http://schemas.microsoft.com/office/drawing/2014/main" id="{F3ECF042-FFAB-4819-A01F-F6D8EF5D3763}"/>
-              </a:ext>
-            </a:extLst>
-          </p:cNvPr>
-          <p:cNvSpPr txBox="1"/>
-          <p:nvPr/>
-        </p:nvSpPr>
-        <p:spPr>
-          <a:xfrm>
-            <a:off x="-3622329" y="4114612"/>
-            <a:ext cx="2465323" cy="276999"/>
-          </a:xfrm>
-          <a:prstGeom prst="rect">
-            <a:avLst/>
-          </a:prstGeom>
-          <a:noFill/>
-        </p:spPr>
-        <p:txBody>
-          <a:bodyPr wrap="square" rtlCol="0">
-            <a:spAutoFit/>
-          </a:bodyPr>
-          <a:lstStyle/>
-          <a:p>
-            <a:pPr algn="just"/>
-            <a:r>
-              <a:rPr lang="en-GB" sz="1200" dirty="0">
-                <a:solidFill>
-                  <a:srgbClr val="0070C0"/>
-                </a:solidFill>
-                <a:latin typeface="Calibri" panose="020F0502020204030204" pitchFamily="34" charset="0"/>
-                <a:ea typeface="Times New Roman" panose="02020603050405020304" pitchFamily="18" charset="0"/>
-              </a:rPr>
-              <a:t>Primera thin film</a:t>
-            </a:r>
-            <a:endParaRPr lang="en-GB" sz="1200" dirty="0">
-              <a:solidFill>
-                <a:srgbClr val="0070C0"/>
-              </a:solidFill>
-              <a:effectLst/>
-              <a:latin typeface="Times New Roman" panose="02020603050405020304" pitchFamily="18" charset="0"/>
-              <a:ea typeface="Times New Roman" panose="02020603050405020304" pitchFamily="18" charset="0"/>
-            </a:endParaRPr>
-          </a:p>
-        </p:txBody>
-      </p:sp>
-      <p:sp>
-        <p:nvSpPr>
-          <p:cNvPr id="98" name="TextBox 97">
-            <a:extLst>
-              <a:ext uri="{FF2B5EF4-FFF2-40B4-BE49-F238E27FC236}">
-                <a16:creationId xmlns:a16="http://schemas.microsoft.com/office/drawing/2014/main" id="{9CC38EF9-CB7D-429F-B6C7-C5ECABAD6EFD}"/>
-              </a:ext>
-            </a:extLst>
-          </p:cNvPr>
-          <p:cNvSpPr txBox="1"/>
-          <p:nvPr/>
-        </p:nvSpPr>
-        <p:spPr>
-          <a:xfrm>
-            <a:off x="-3591490" y="4477113"/>
-            <a:ext cx="2465323" cy="276999"/>
-          </a:xfrm>
-          <a:prstGeom prst="rect">
-            <a:avLst/>
-          </a:prstGeom>
-          <a:noFill/>
-        </p:spPr>
-        <p:txBody>
-          <a:bodyPr wrap="square" rtlCol="0">
-            <a:spAutoFit/>
-          </a:bodyPr>
-          <a:lstStyle/>
-          <a:p>
-            <a:pPr algn="just"/>
-            <a:r>
-              <a:rPr lang="en-GB" sz="1200" dirty="0">
-                <a:solidFill>
-                  <a:srgbClr val="0070C0"/>
-                </a:solidFill>
-                <a:latin typeface="Calibri" panose="020F0502020204030204" pitchFamily="34" charset="0"/>
-                <a:ea typeface="Times New Roman" panose="02020603050405020304" pitchFamily="18" charset="0"/>
-              </a:rPr>
-              <a:t>Avion solar</a:t>
-            </a:r>
-            <a:endParaRPr lang="en-GB" sz="1200" dirty="0">
-              <a:solidFill>
-                <a:srgbClr val="0070C0"/>
-              </a:solidFill>
-              <a:effectLst/>
-              <a:latin typeface="Times New Roman" panose="02020603050405020304" pitchFamily="18" charset="0"/>
-              <a:ea typeface="Times New Roman" panose="02020603050405020304" pitchFamily="18" charset="0"/>
-            </a:endParaRPr>
-          </a:p>
-        </p:txBody>
-      </p:sp>
-      <p:sp>
-        <p:nvSpPr>
-          <p:cNvPr id="109" name="TextBox 108">
-            <a:extLst>
-              <a:ext uri="{FF2B5EF4-FFF2-40B4-BE49-F238E27FC236}">
-                <a16:creationId xmlns:a16="http://schemas.microsoft.com/office/drawing/2014/main" id="{720EAEF6-E3A8-44E8-9A3F-7DBDA8737760}"/>
-              </a:ext>
-            </a:extLst>
-          </p:cNvPr>
-          <p:cNvSpPr txBox="1"/>
-          <p:nvPr/>
-        </p:nvSpPr>
-        <p:spPr>
-          <a:xfrm>
-            <a:off x="-3549207" y="4901711"/>
-            <a:ext cx="2465323" cy="276999"/>
-          </a:xfrm>
-          <a:prstGeom prst="rect">
-            <a:avLst/>
-          </a:prstGeom>
-          <a:noFill/>
-        </p:spPr>
-        <p:txBody>
-          <a:bodyPr wrap="square" rtlCol="0">
-            <a:spAutoFit/>
-          </a:bodyPr>
-          <a:lstStyle/>
-          <a:p>
-            <a:pPr algn="just"/>
-            <a:r>
-              <a:rPr lang="en-GB" sz="1200" dirty="0">
-                <a:solidFill>
-                  <a:srgbClr val="0070C0"/>
-                </a:solidFill>
-                <a:latin typeface="Calibri" panose="020F0502020204030204" pitchFamily="34" charset="0"/>
-                <a:ea typeface="Times New Roman" panose="02020603050405020304" pitchFamily="18" charset="0"/>
-              </a:rPr>
-              <a:t>Solar race / solar decathlon</a:t>
-            </a:r>
-            <a:endParaRPr lang="en-GB" sz="1200" dirty="0">
-              <a:solidFill>
-                <a:srgbClr val="0070C0"/>
-              </a:solidFill>
-              <a:effectLst/>
-              <a:latin typeface="Times New Roman" panose="02020603050405020304" pitchFamily="18" charset="0"/>
-              <a:ea typeface="Times New Roman" panose="02020603050405020304" pitchFamily="18" charset="0"/>
-            </a:endParaRPr>
-          </a:p>
-        </p:txBody>
-      </p:sp>
-      <p:sp>
-        <p:nvSpPr>
-          <p:cNvPr id="115" name="Rectangle 114">
-            <a:extLst>
-              <a:ext uri="{FF2B5EF4-FFF2-40B4-BE49-F238E27FC236}">
-                <a16:creationId xmlns:a16="http://schemas.microsoft.com/office/drawing/2014/main" id="{AAB4C778-B81E-46D8-9864-2D5288F0F481}"/>
-              </a:ext>
-            </a:extLst>
-          </p:cNvPr>
-          <p:cNvSpPr/>
-          <p:nvPr/>
-        </p:nvSpPr>
-        <p:spPr>
-          <a:xfrm>
-            <a:off x="-2545909" y="6245327"/>
-            <a:ext cx="900000" cy="900000"/>
-          </a:xfrm>
-          <a:prstGeom prst="rect">
-            <a:avLst/>
-          </a:prstGeom>
-          <a:solidFill>
-            <a:srgbClr val="B31F20"/>
-          </a:solidFill>
-          <a:ln>
-            <a:noFill/>
-          </a:ln>
-        </p:spPr>
-        <p:style>
-          <a:lnRef idx="2">
-            <a:schemeClr val="accent1">
-              <a:shade val="50000"/>
-            </a:schemeClr>
-          </a:lnRef>
-          <a:fillRef idx="1">
-            <a:schemeClr val="accent1"/>
-          </a:fillRef>
-          <a:effectRef idx="0">
-            <a:schemeClr val="accent1"/>
-          </a:effectRef>
-          <a:fontRef idx="minor">
-            <a:schemeClr val="lt1"/>
-          </a:fontRef>
-        </p:style>
-        <p:txBody>
-          <a:bodyPr rtlCol="0" anchor="ctr"/>
-          <a:lstStyle/>
-          <a:p>
-            <a:pPr algn="ctr"/>
-            <a:endParaRPr lang="en-GB"/>
-          </a:p>
-        </p:txBody>
-      </p:sp>
     </p:spTree>
     <p:extLst>
       <p:ext uri="{BB962C8B-B14F-4D97-AF65-F5344CB8AC3E}">

--- a/Figures/Chapter_01/drawings/Fig_PV_history.pptx
+++ b/Figures/Chapter_01/drawings/Fig_PV_history.pptx
@@ -244,7 +244,7 @@
           <a:p>
             <a:fld id="{E53556A6-779D-436A-9960-E76995E88BDD}" type="datetimeFigureOut">
               <a:rPr lang="en-GB" smtClean="0"/>
-              <a:t>30/09/2022</a:t>
+              <a:t>03/08/2023</a:t>
             </a:fld>
             <a:endParaRPr lang="en-GB"/>
           </a:p>
@@ -414,7 +414,7 @@
           <a:p>
             <a:fld id="{E53556A6-779D-436A-9960-E76995E88BDD}" type="datetimeFigureOut">
               <a:rPr lang="en-GB" smtClean="0"/>
-              <a:t>30/09/2022</a:t>
+              <a:t>03/08/2023</a:t>
             </a:fld>
             <a:endParaRPr lang="en-GB"/>
           </a:p>
@@ -594,7 +594,7 @@
           <a:p>
             <a:fld id="{E53556A6-779D-436A-9960-E76995E88BDD}" type="datetimeFigureOut">
               <a:rPr lang="en-GB" smtClean="0"/>
-              <a:t>30/09/2022</a:t>
+              <a:t>03/08/2023</a:t>
             </a:fld>
             <a:endParaRPr lang="en-GB"/>
           </a:p>
@@ -764,7 +764,7 @@
           <a:p>
             <a:fld id="{E53556A6-779D-436A-9960-E76995E88BDD}" type="datetimeFigureOut">
               <a:rPr lang="en-GB" smtClean="0"/>
-              <a:t>30/09/2022</a:t>
+              <a:t>03/08/2023</a:t>
             </a:fld>
             <a:endParaRPr lang="en-GB"/>
           </a:p>
@@ -1008,7 +1008,7 @@
           <a:p>
             <a:fld id="{E53556A6-779D-436A-9960-E76995E88BDD}" type="datetimeFigureOut">
               <a:rPr lang="en-GB" smtClean="0"/>
-              <a:t>30/09/2022</a:t>
+              <a:t>03/08/2023</a:t>
             </a:fld>
             <a:endParaRPr lang="en-GB"/>
           </a:p>
@@ -1240,7 +1240,7 @@
           <a:p>
             <a:fld id="{E53556A6-779D-436A-9960-E76995E88BDD}" type="datetimeFigureOut">
               <a:rPr lang="en-GB" smtClean="0"/>
-              <a:t>30/09/2022</a:t>
+              <a:t>03/08/2023</a:t>
             </a:fld>
             <a:endParaRPr lang="en-GB"/>
           </a:p>
@@ -1607,7 +1607,7 @@
           <a:p>
             <a:fld id="{E53556A6-779D-436A-9960-E76995E88BDD}" type="datetimeFigureOut">
               <a:rPr lang="en-GB" smtClean="0"/>
-              <a:t>30/09/2022</a:t>
+              <a:t>03/08/2023</a:t>
             </a:fld>
             <a:endParaRPr lang="en-GB"/>
           </a:p>
@@ -1725,7 +1725,7 @@
           <a:p>
             <a:fld id="{E53556A6-779D-436A-9960-E76995E88BDD}" type="datetimeFigureOut">
               <a:rPr lang="en-GB" smtClean="0"/>
-              <a:t>30/09/2022</a:t>
+              <a:t>03/08/2023</a:t>
             </a:fld>
             <a:endParaRPr lang="en-GB"/>
           </a:p>
@@ -1820,7 +1820,7 @@
           <a:p>
             <a:fld id="{E53556A6-779D-436A-9960-E76995E88BDD}" type="datetimeFigureOut">
               <a:rPr lang="en-GB" smtClean="0"/>
-              <a:t>30/09/2022</a:t>
+              <a:t>03/08/2023</a:t>
             </a:fld>
             <a:endParaRPr lang="en-GB"/>
           </a:p>
@@ -2097,7 +2097,7 @@
           <a:p>
             <a:fld id="{E53556A6-779D-436A-9960-E76995E88BDD}" type="datetimeFigureOut">
               <a:rPr lang="en-GB" smtClean="0"/>
-              <a:t>30/09/2022</a:t>
+              <a:t>03/08/2023</a:t>
             </a:fld>
             <a:endParaRPr lang="en-GB"/>
           </a:p>
@@ -2354,7 +2354,7 @@
           <a:p>
             <a:fld id="{E53556A6-779D-436A-9960-E76995E88BDD}" type="datetimeFigureOut">
               <a:rPr lang="en-GB" smtClean="0"/>
-              <a:t>30/09/2022</a:t>
+              <a:t>03/08/2023</a:t>
             </a:fld>
             <a:endParaRPr lang="en-GB"/>
           </a:p>
@@ -2567,7 +2567,7 @@
           <a:p>
             <a:fld id="{E53556A6-779D-436A-9960-E76995E88BDD}" type="datetimeFigureOut">
               <a:rPr lang="en-GB" smtClean="0"/>
-              <a:t>30/09/2022</a:t>
+              <a:t>03/08/2023</a:t>
             </a:fld>
             <a:endParaRPr lang="en-GB"/>
           </a:p>
@@ -3063,7 +3063,7 @@
                 <a:effectLst/>
                 <a:latin typeface="Times New Roman" panose="02020603050405020304" pitchFamily="18" charset="0"/>
                 <a:ea typeface="Times New Roman" panose="02020603050405020304" pitchFamily="18" charset="0"/>
-                <a:hlinkClick r:id="rId3">
+                <a:hlinkClick r:id="rId2">
                   <a:extLst>
                     <a:ext uri="{A12FA001-AC4F-418D-AE19-62706E023703}">
                       <ahyp:hlinkClr xmlns:ahyp="http://schemas.microsoft.com/office/drawing/2018/hyperlinkcolor" val="tx"/>
@@ -3078,7 +3078,7 @@
                 <a:effectLst/>
                 <a:latin typeface="Times New Roman" panose="02020603050405020304" pitchFamily="18" charset="0"/>
                 <a:ea typeface="Times New Roman" panose="02020603050405020304" pitchFamily="18" charset="0"/>
-                <a:hlinkClick r:id="rId3">
+                <a:hlinkClick r:id="rId2">
                   <a:extLst>
                     <a:ext uri="{A12FA001-AC4F-418D-AE19-62706E023703}">
                       <ahyp:hlinkClr xmlns:ahyp="http://schemas.microsoft.com/office/drawing/2018/hyperlinkcolor" val="tx"/>
@@ -3113,10 +3113,10 @@
         </p:nvGrpSpPr>
         <p:grpSpPr>
           <a:xfrm>
-            <a:off x="131938" y="57908"/>
-            <a:ext cx="7323724" cy="11639217"/>
-            <a:chOff x="131938" y="57908"/>
-            <a:chExt cx="7323724" cy="11639217"/>
+            <a:off x="162533" y="57908"/>
+            <a:ext cx="7293129" cy="11639217"/>
+            <a:chOff x="162533" y="57908"/>
+            <a:chExt cx="7293129" cy="11639217"/>
           </a:xfrm>
         </p:grpSpPr>
         <p:pic>
@@ -3134,7 +3134,7 @@
             <p:nvPr/>
           </p:nvPicPr>
           <p:blipFill>
-            <a:blip r:embed="rId4"/>
+            <a:blip r:embed="rId3"/>
             <a:stretch>
               <a:fillRect/>
             </a:stretch>
@@ -3819,7 +3819,7 @@
           </p:nvSpPr>
           <p:spPr>
             <a:xfrm>
-              <a:off x="135713" y="2749822"/>
+              <a:off x="211852" y="2763303"/>
               <a:ext cx="2980944" cy="646331"/>
             </a:xfrm>
             <a:prstGeom prst="rect">
@@ -4016,7 +4016,7 @@
               <a:pPr algn="just"/>
               <a:r>
                 <a:rPr lang="en-GB" sz="1200" dirty="0"/>
-                <a:t>Albert Einstein presents his quantum theory. Einstein explains the photoelectric effect by assuming that light consists of quantized energy packages that we call  photons.  </a:t>
+                <a:t>Albert Einstein presented his quantum theory. Einstein explained the photoelectric effect by assuming that light consists of quantized energy packages that we call  photons.  </a:t>
               </a:r>
             </a:p>
           </p:txBody>
@@ -4247,8 +4247,8 @@
           </p:nvSpPr>
           <p:spPr>
             <a:xfrm>
-              <a:off x="131938" y="4457844"/>
-              <a:ext cx="2925866" cy="830997"/>
+              <a:off x="245413" y="4423394"/>
+              <a:ext cx="2874541" cy="830997"/>
             </a:xfrm>
             <a:prstGeom prst="rect">
               <a:avLst/>
@@ -4339,7 +4339,7 @@
             <p:nvPr/>
           </p:nvPicPr>
           <p:blipFill>
-            <a:blip r:embed="rId5">
+            <a:blip r:embed="rId4">
               <a:extLst>
                 <a:ext uri="{28A0092B-C50C-407E-A947-70E740481C1C}">
                   <a14:useLocalDpi xmlns:a14="http://schemas.microsoft.com/office/drawing/2010/main" val="0"/>
@@ -4379,8 +4379,8 @@
           </p:nvSpPr>
           <p:spPr>
             <a:xfrm>
-              <a:off x="142777" y="6810872"/>
-              <a:ext cx="3034617" cy="830997"/>
+              <a:off x="162533" y="6813834"/>
+              <a:ext cx="2980944" cy="830997"/>
             </a:xfrm>
             <a:prstGeom prst="rect">
               <a:avLst/>
@@ -4396,7 +4396,7 @@
               <a:pPr algn="just"/>
               <a:r>
                 <a:rPr lang="en-GB" sz="1200" dirty="0"/>
-                <a:t>William B. Shockley, the coinventor of the transistor, explains the principles of operation of the </a:t>
+                <a:t>William B. Shockley, the coinventor of the transistor, explained the principles of operation of the </a:t>
               </a:r>
               <a:r>
                 <a:rPr lang="en-GB" sz="1200" dirty="0" err="1"/>
@@ -4404,7 +4404,7 @@
               </a:r>
               <a:r>
                 <a:rPr lang="en-GB" sz="1200" dirty="0"/>
-                <a:t> junction. PV solar cells are developed during this decade at Bell Labs.</a:t>
+                <a:t> junction. Solar cells were developed during this decade at Bell Labs.</a:t>
               </a:r>
             </a:p>
           </p:txBody>
@@ -4611,7 +4611,26 @@
                   <a:effectLst/>
                   <a:ea typeface="Times New Roman" panose="02020603050405020304" pitchFamily="18" charset="0"/>
                 </a:rPr>
-                <a:t>Daryl Chapin, Calvin Fuller, and Gerald Pearson in the Bell Labs presented the first silicon solar cell with an efficiency of 6% and an area of 2 cm</a:t>
+                <a:t>Daryl Chapin, Calvin Fuller, and Gerald Pearson </a:t>
+              </a:r>
+              <a:r>
+                <a:rPr lang="en-GB" sz="1200" dirty="0">
+                  <a:solidFill>
+                    <a:srgbClr val="0E101A"/>
+                  </a:solidFill>
+                  <a:ea typeface="Times New Roman" panose="02020603050405020304" pitchFamily="18" charset="0"/>
+                </a:rPr>
+                <a:t>at</a:t>
+              </a:r>
+              <a:r>
+                <a:rPr lang="en-GB" sz="1200" dirty="0">
+                  <a:solidFill>
+                    <a:srgbClr val="0E101A"/>
+                  </a:solidFill>
+                  <a:effectLst/>
+                  <a:ea typeface="Times New Roman" panose="02020603050405020304" pitchFamily="18" charset="0"/>
+                </a:rPr>
+                <a:t> Bell Labs presented the first silicon solar cell with an efficiency of 6% and an area of 2 cm</a:t>
               </a:r>
               <a:r>
                 <a:rPr lang="en-GB" sz="1200" baseline="30000" dirty="0">
@@ -4684,7 +4703,7 @@
                   <a:effectLst/>
                   <a:ea typeface="Times New Roman" panose="02020603050405020304" pitchFamily="18" charset="0"/>
                 </a:rPr>
-                <a:t> attaining also 6% efficiency was developed at Air Force based (USA)</a:t>
+                <a:t> attaining also 6% efficiency was developed at Air Force Base (USA)</a:t>
               </a:r>
             </a:p>
           </p:txBody>
@@ -5070,7 +5089,7 @@
             <p:nvPr/>
           </p:nvPicPr>
           <p:blipFill>
-            <a:blip r:embed="rId6">
+            <a:blip r:embed="rId5">
               <a:extLst>
                 <a:ext uri="{28A0092B-C50C-407E-A947-70E740481C1C}">
                   <a14:useLocalDpi xmlns:a14="http://schemas.microsoft.com/office/drawing/2010/main" val="0"/>
@@ -5339,7 +5358,7 @@
               <a:pPr algn="just"/>
               <a:r>
                 <a:rPr lang="en-GB" sz="1200" dirty="0"/>
-                <a:t>Bell Labs launches the first solar-powered telecommunications satellite (Telstar).</a:t>
+                <a:t>Bell Labs launched the first solar-powered telecommunications satellite (Telstar).</a:t>
               </a:r>
             </a:p>
             <a:p>
@@ -5593,12 +5612,12 @@
           <a:graphicData uri="http://schemas.openxmlformats.org/presentationml/2006/ole">
             <mc:AlternateContent xmlns:mc="http://schemas.openxmlformats.org/markup-compatibility/2006">
               <mc:Choice xmlns:v="urn:schemas-microsoft-com:vml" Requires="v">
-                <p:oleObj spid="_x0000_s1051" name="Bitmap Image" r:id="rId7" imgW="5295960" imgH="5181480" progId="Paint.Picture">
+                <p:oleObj name="Bitmap Image" r:id="rId6" imgW="5295960" imgH="5181480" progId="Paint.Picture">
                   <p:embed/>
                 </p:oleObj>
               </mc:Choice>
               <mc:Fallback>
-                <p:oleObj name="Bitmap Image" r:id="rId7" imgW="5295960" imgH="5181480" progId="Paint.Picture">
+                <p:oleObj name="Bitmap Image" r:id="rId6" imgW="5295960" imgH="5181480" progId="Paint.Picture">
                   <p:embed/>
                   <p:pic>
                     <p:nvPicPr>
@@ -5607,7 +5626,7 @@
                       <p:nvPr/>
                     </p:nvPicPr>
                     <p:blipFill>
-                      <a:blip r:embed="rId8"/>
+                      <a:blip r:embed="rId7"/>
                       <a:stretch>
                         <a:fillRect/>
                       </a:stretch>
@@ -5915,8 +5934,8 @@
           </p:nvSpPr>
           <p:spPr>
             <a:xfrm>
-              <a:off x="149127" y="1029738"/>
-              <a:ext cx="3034617" cy="1200329"/>
+              <a:off x="375169" y="1095486"/>
+              <a:ext cx="2855030" cy="1200329"/>
             </a:xfrm>
             <a:prstGeom prst="rect">
               <a:avLst/>
@@ -5958,7 +5977,27 @@
                   <a:effectLst/>
                   <a:ea typeface="Times New Roman" panose="02020603050405020304" pitchFamily="18" charset="0"/>
                 </a:rPr>
-                <a:t> Institute in San Petersburg led by Alferov developed a solar cell based on </a:t>
+                <a:t> Institute in San Petersburg led by </a:t>
+              </a:r>
+              <a:r>
+                <a:rPr lang="en-GB" sz="1200" dirty="0" err="1">
+                  <a:solidFill>
+                    <a:srgbClr val="0E101A"/>
+                  </a:solidFill>
+                  <a:effectLst/>
+                  <a:ea typeface="Times New Roman" panose="02020603050405020304" pitchFamily="18" charset="0"/>
+                </a:rPr>
+                <a:t>Zhores</a:t>
+              </a:r>
+              <a:r>
+                <a:rPr lang="en-GB" sz="1200" dirty="0">
+                  <a:solidFill>
+                    <a:srgbClr val="0E101A"/>
+                  </a:solidFill>
+                  <a:effectLst/>
+                  <a:ea typeface="Times New Roman" panose="02020603050405020304" pitchFamily="18" charset="0"/>
+                </a:rPr>
+                <a:t> I. Alferov developed a solar cell based on </a:t>
               </a:r>
               <a:r>
                 <a:rPr lang="en-GB" sz="1200" dirty="0" err="1">
@@ -5971,16 +6010,6 @@
                 <a:t>GaAlAs</a:t>
               </a:r>
               <a:r>
-                <a:rPr lang="en-GB" sz="1200">
-                  <a:solidFill>
-                    <a:srgbClr val="0E101A"/>
-                  </a:solidFill>
-                  <a:effectLst/>
-                  <a:ea typeface="Times New Roman" panose="02020603050405020304" pitchFamily="18" charset="0"/>
-                </a:rPr>
-                <a:t>/GaAs heterojunction</a:t>
-              </a:r>
-              <a:r>
                 <a:rPr lang="en-GB" sz="1200" dirty="0">
                   <a:solidFill>
                     <a:srgbClr val="0E101A"/>
@@ -5988,7 +6017,7 @@
                   <a:effectLst/>
                   <a:ea typeface="Times New Roman" panose="02020603050405020304" pitchFamily="18" charset="0"/>
                 </a:rPr>
-                <a:t>. The main benefits of GaAs cells were their high efficiency and resistance to the ionizing radiation in space.</a:t>
+                <a:t>/GaAs heterojunction. The main benefits of GaAs cells were their high efficiency and resistance to the ionizing radiation in space.</a:t>
               </a:r>
             </a:p>
           </p:txBody>
@@ -6396,7 +6425,7 @@
                   <a:effectLst/>
                   <a:ea typeface="Times New Roman" panose="02020603050405020304" pitchFamily="18" charset="0"/>
                 </a:rPr>
-                <a:t>The first solar-powered pocket calculators and watches arrive on the market.</a:t>
+                <a:t>The first solar-powered pocket calculators and watches arrived on the market.</a:t>
               </a:r>
               <a:endParaRPr lang="en-GB" sz="1200" dirty="0">
                 <a:effectLst/>
@@ -6554,7 +6583,7 @@
               <a:pPr algn="just"/>
               <a:r>
                 <a:rPr lang="en-GB" sz="1200" dirty="0"/>
-                <a:t>Solar PV covers 20% of the annual electricity demand in California (USA).</a:t>
+                <a:t>Solar PV covered 20% of the annual electricity demand in California (USA).</a:t>
               </a:r>
             </a:p>
           </p:txBody>
@@ -7121,7 +7150,7 @@
               <a:pPr algn="just"/>
               <a:r>
                 <a:rPr lang="en-GB" sz="1200" dirty="0"/>
-                <a:t>Cumulative global PV capacity reaches 1 TW</a:t>
+                <a:t>Cumulative global PV capacity reached 1 TW.</a:t>
               </a:r>
             </a:p>
           </p:txBody>
@@ -7559,7 +7588,7 @@
               <a:pPr algn="just"/>
               <a:r>
                 <a:rPr lang="en-GB" sz="1200" dirty="0"/>
-                <a:t>Cumulative Global PV capacity reaches 1 GW</a:t>
+                <a:t>Cumulative Global PV capacity reached 1 GW.</a:t>
               </a:r>
             </a:p>
           </p:txBody>
@@ -8065,7 +8094,7 @@
               <a:pPr algn="just"/>
               <a:r>
                 <a:rPr lang="en-GB" sz="1200" dirty="0"/>
-                <a:t>First 350 kW Concentrator-PV array installed in Saudi Arabia</a:t>
+                <a:t>First 350 kW Concentrator-PV array installed in Saudi Arabia.</a:t>
               </a:r>
             </a:p>
           </p:txBody>
@@ -8266,7 +8295,7 @@
               <a:pPr algn="just"/>
               <a:r>
                 <a:rPr lang="en-GB" sz="1200" dirty="0"/>
-                <a:t>First 1 MW utility-scale PV power plant with Arco Si modules on 2-axis trackers installed in California</a:t>
+                <a:t>First 1 MW utility-scale PV power plant with Arco Si modules on 2-axis trackers installed in California.</a:t>
               </a:r>
             </a:p>
           </p:txBody>
@@ -8475,15 +8504,7 @@
               </a:r>
               <a:r>
                 <a:rPr lang="en-GB" sz="1200" dirty="0"/>
-                <a:t> manufactures </a:t>
-              </a:r>
-              <a:r>
-                <a:rPr lang="en-GB" sz="1200"/>
-                <a:t>and installs </a:t>
-              </a:r>
-              <a:r>
-                <a:rPr lang="en-GB" sz="1200" dirty="0"/>
-                <a:t>bifacial PV panels</a:t>
+                <a:t> manufactured and installed bifacial PV panels.</a:t>
               </a:r>
             </a:p>
           </p:txBody>
@@ -8688,7 +8709,7 @@
               </a:r>
               <a:r>
                 <a:rPr lang="en-GB" sz="1200" dirty="0"/>
-                <a:t>/GaAs 2-terminal multijunction solar cell attained efficiency &gt;30% (NREL, USA)</a:t>
+                <a:t>/GaAs 2-terminal multijunction solar cell attained efficiency &gt;30% (NREL, USA).</a:t>
               </a:r>
             </a:p>
           </p:txBody>
@@ -9284,8 +9305,8 @@
           </p:nvSpPr>
           <p:spPr>
             <a:xfrm>
-              <a:off x="466650" y="9053491"/>
-              <a:ext cx="2698146" cy="461665"/>
+              <a:off x="375169" y="9053491"/>
+              <a:ext cx="2789627" cy="461665"/>
             </a:xfrm>
             <a:prstGeom prst="rect">
               <a:avLst/>
@@ -9301,7 +9322,7 @@
               <a:pPr algn="just"/>
               <a:r>
                 <a:rPr lang="en-GB" sz="1200" dirty="0"/>
-                <a:t>First silicon solar cell with 25% efficiency (PERL design) (UNSW, Australia) </a:t>
+                <a:t>First silicon solar cell with &gt;25% efficiency (PERL design) (UNSW, Australia) .</a:t>
               </a:r>
             </a:p>
           </p:txBody>
@@ -9320,8 +9341,8 @@
           </p:nvSpPr>
           <p:spPr>
             <a:xfrm>
-              <a:off x="240306" y="10022594"/>
-              <a:ext cx="3034617" cy="646331"/>
+              <a:off x="467877" y="10087619"/>
+              <a:ext cx="2712257" cy="830997"/>
             </a:xfrm>
             <a:prstGeom prst="rect">
               <a:avLst/>
@@ -9337,7 +9358,7 @@
               <a:pPr algn="just"/>
               <a:r>
                 <a:rPr lang="en-GB" sz="1200" dirty="0"/>
-                <a:t>The race for high-efficient commercial silicon cells results in innovative cell architectures (IBC, </a:t>
+                <a:t>The race for high-efficiency commercial silicon cells resulted in innovative cell architectures (IBC, </a:t>
               </a:r>
               <a:r>
                 <a:rPr lang="en-GB" sz="1200" dirty="0" err="1"/>
@@ -9345,7 +9366,7 @@
               </a:r>
               <a:r>
                 <a:rPr lang="en-GB" sz="1200" dirty="0"/>
-                <a:t>) with efficiency &gt;25%</a:t>
+                <a:t>) with efficiency &gt;25%.</a:t>
               </a:r>
             </a:p>
           </p:txBody>

--- a/Figures/Chapter_01/drawings/Fig_PV_history.pptx
+++ b/Figures/Chapter_01/drawings/Fig_PV_history.pptx
@@ -244,7 +244,7 @@
           <a:p>
             <a:fld id="{E53556A6-779D-436A-9960-E76995E88BDD}" type="datetimeFigureOut">
               <a:rPr lang="en-GB" smtClean="0"/>
-              <a:t>03/08/2023</a:t>
+              <a:t>31/08/2023</a:t>
             </a:fld>
             <a:endParaRPr lang="en-GB"/>
           </a:p>
@@ -414,7 +414,7 @@
           <a:p>
             <a:fld id="{E53556A6-779D-436A-9960-E76995E88BDD}" type="datetimeFigureOut">
               <a:rPr lang="en-GB" smtClean="0"/>
-              <a:t>03/08/2023</a:t>
+              <a:t>31/08/2023</a:t>
             </a:fld>
             <a:endParaRPr lang="en-GB"/>
           </a:p>
@@ -594,7 +594,7 @@
           <a:p>
             <a:fld id="{E53556A6-779D-436A-9960-E76995E88BDD}" type="datetimeFigureOut">
               <a:rPr lang="en-GB" smtClean="0"/>
-              <a:t>03/08/2023</a:t>
+              <a:t>31/08/2023</a:t>
             </a:fld>
             <a:endParaRPr lang="en-GB"/>
           </a:p>
@@ -764,7 +764,7 @@
           <a:p>
             <a:fld id="{E53556A6-779D-436A-9960-E76995E88BDD}" type="datetimeFigureOut">
               <a:rPr lang="en-GB" smtClean="0"/>
-              <a:t>03/08/2023</a:t>
+              <a:t>31/08/2023</a:t>
             </a:fld>
             <a:endParaRPr lang="en-GB"/>
           </a:p>
@@ -1008,7 +1008,7 @@
           <a:p>
             <a:fld id="{E53556A6-779D-436A-9960-E76995E88BDD}" type="datetimeFigureOut">
               <a:rPr lang="en-GB" smtClean="0"/>
-              <a:t>03/08/2023</a:t>
+              <a:t>31/08/2023</a:t>
             </a:fld>
             <a:endParaRPr lang="en-GB"/>
           </a:p>
@@ -1240,7 +1240,7 @@
           <a:p>
             <a:fld id="{E53556A6-779D-436A-9960-E76995E88BDD}" type="datetimeFigureOut">
               <a:rPr lang="en-GB" smtClean="0"/>
-              <a:t>03/08/2023</a:t>
+              <a:t>31/08/2023</a:t>
             </a:fld>
             <a:endParaRPr lang="en-GB"/>
           </a:p>
@@ -1607,7 +1607,7 @@
           <a:p>
             <a:fld id="{E53556A6-779D-436A-9960-E76995E88BDD}" type="datetimeFigureOut">
               <a:rPr lang="en-GB" smtClean="0"/>
-              <a:t>03/08/2023</a:t>
+              <a:t>31/08/2023</a:t>
             </a:fld>
             <a:endParaRPr lang="en-GB"/>
           </a:p>
@@ -1725,7 +1725,7 @@
           <a:p>
             <a:fld id="{E53556A6-779D-436A-9960-E76995E88BDD}" type="datetimeFigureOut">
               <a:rPr lang="en-GB" smtClean="0"/>
-              <a:t>03/08/2023</a:t>
+              <a:t>31/08/2023</a:t>
             </a:fld>
             <a:endParaRPr lang="en-GB"/>
           </a:p>
@@ -1820,7 +1820,7 @@
           <a:p>
             <a:fld id="{E53556A6-779D-436A-9960-E76995E88BDD}" type="datetimeFigureOut">
               <a:rPr lang="en-GB" smtClean="0"/>
-              <a:t>03/08/2023</a:t>
+              <a:t>31/08/2023</a:t>
             </a:fld>
             <a:endParaRPr lang="en-GB"/>
           </a:p>
@@ -2097,7 +2097,7 @@
           <a:p>
             <a:fld id="{E53556A6-779D-436A-9960-E76995E88BDD}" type="datetimeFigureOut">
               <a:rPr lang="en-GB" smtClean="0"/>
-              <a:t>03/08/2023</a:t>
+              <a:t>31/08/2023</a:t>
             </a:fld>
             <a:endParaRPr lang="en-GB"/>
           </a:p>
@@ -2354,7 +2354,7 @@
           <a:p>
             <a:fld id="{E53556A6-779D-436A-9960-E76995E88BDD}" type="datetimeFigureOut">
               <a:rPr lang="en-GB" smtClean="0"/>
-              <a:t>03/08/2023</a:t>
+              <a:t>31/08/2023</a:t>
             </a:fld>
             <a:endParaRPr lang="en-GB"/>
           </a:p>
@@ -2567,7 +2567,7 @@
           <a:p>
             <a:fld id="{E53556A6-779D-436A-9960-E76995E88BDD}" type="datetimeFigureOut">
               <a:rPr lang="en-GB" smtClean="0"/>
-              <a:t>03/08/2023</a:t>
+              <a:t>31/08/2023</a:t>
             </a:fld>
             <a:endParaRPr lang="en-GB"/>
           </a:p>
@@ -5785,7 +5785,7 @@
           <p:nvPr/>
         </p:nvPicPr>
         <p:blipFill>
-          <a:blip r:embed="rId2">
+          <a:blip r:embed="rId2" cstate="hqprint">
             <a:extLst>
               <a:ext uri="{28A0092B-C50C-407E-A947-70E740481C1C}">
                 <a14:useLocalDpi xmlns:a14="http://schemas.microsoft.com/office/drawing/2010/main" val="0"/>
@@ -5821,7 +5821,7 @@
           <p:nvPr/>
         </p:nvPicPr>
         <p:blipFill>
-          <a:blip r:embed="rId3">
+          <a:blip r:embed="rId3" cstate="hqprint">
             <a:extLst>
               <a:ext uri="{28A0092B-C50C-407E-A947-70E740481C1C}">
                 <a14:useLocalDpi xmlns:a14="http://schemas.microsoft.com/office/drawing/2010/main" val="0"/>
@@ -6980,7 +6980,7 @@
             <p:nvPr/>
           </p:nvPicPr>
           <p:blipFill>
-            <a:blip r:embed="rId4">
+            <a:blip r:embed="rId4" cstate="hqprint">
               <a:extLst>
                 <a:ext uri="{28A0092B-C50C-407E-A947-70E740481C1C}">
                   <a14:useLocalDpi xmlns:a14="http://schemas.microsoft.com/office/drawing/2010/main" val="0"/>
@@ -7878,7 +7878,7 @@
             <p:nvPr/>
           </p:nvPicPr>
           <p:blipFill rotWithShape="1">
-            <a:blip r:embed="rId7">
+            <a:blip r:embed="rId7" cstate="hqprint">
               <a:extLst>
                 <a:ext uri="{28A0092B-C50C-407E-A947-70E740481C1C}">
                   <a14:useLocalDpi xmlns:a14="http://schemas.microsoft.com/office/drawing/2010/main" val="0"/>
@@ -8930,7 +8930,7 @@
             <p:nvPr/>
           </p:nvPicPr>
           <p:blipFill>
-            <a:blip r:embed="rId8">
+            <a:blip r:embed="rId8" cstate="hqprint">
               <a:extLst>
                 <a:ext uri="{28A0092B-C50C-407E-A947-70E740481C1C}">
                   <a14:useLocalDpi xmlns:a14="http://schemas.microsoft.com/office/drawing/2010/main" val="0"/>

--- a/Figures/Chapter_01/drawings/Fig_PV_history.pptx
+++ b/Figures/Chapter_01/drawings/Fig_PV_history.pptx
@@ -244,7 +244,7 @@
           <a:p>
             <a:fld id="{E53556A6-779D-436A-9960-E76995E88BDD}" type="datetimeFigureOut">
               <a:rPr lang="en-GB" smtClean="0"/>
-              <a:t>31/08/2023</a:t>
+              <a:t>06/11/2023</a:t>
             </a:fld>
             <a:endParaRPr lang="en-GB"/>
           </a:p>
@@ -414,7 +414,7 @@
           <a:p>
             <a:fld id="{E53556A6-779D-436A-9960-E76995E88BDD}" type="datetimeFigureOut">
               <a:rPr lang="en-GB" smtClean="0"/>
-              <a:t>31/08/2023</a:t>
+              <a:t>06/11/2023</a:t>
             </a:fld>
             <a:endParaRPr lang="en-GB"/>
           </a:p>
@@ -594,7 +594,7 @@
           <a:p>
             <a:fld id="{E53556A6-779D-436A-9960-E76995E88BDD}" type="datetimeFigureOut">
               <a:rPr lang="en-GB" smtClean="0"/>
-              <a:t>31/08/2023</a:t>
+              <a:t>06/11/2023</a:t>
             </a:fld>
             <a:endParaRPr lang="en-GB"/>
           </a:p>
@@ -764,7 +764,7 @@
           <a:p>
             <a:fld id="{E53556A6-779D-436A-9960-E76995E88BDD}" type="datetimeFigureOut">
               <a:rPr lang="en-GB" smtClean="0"/>
-              <a:t>31/08/2023</a:t>
+              <a:t>06/11/2023</a:t>
             </a:fld>
             <a:endParaRPr lang="en-GB"/>
           </a:p>
@@ -1008,7 +1008,7 @@
           <a:p>
             <a:fld id="{E53556A6-779D-436A-9960-E76995E88BDD}" type="datetimeFigureOut">
               <a:rPr lang="en-GB" smtClean="0"/>
-              <a:t>31/08/2023</a:t>
+              <a:t>06/11/2023</a:t>
             </a:fld>
             <a:endParaRPr lang="en-GB"/>
           </a:p>
@@ -1240,7 +1240,7 @@
           <a:p>
             <a:fld id="{E53556A6-779D-436A-9960-E76995E88BDD}" type="datetimeFigureOut">
               <a:rPr lang="en-GB" smtClean="0"/>
-              <a:t>31/08/2023</a:t>
+              <a:t>06/11/2023</a:t>
             </a:fld>
             <a:endParaRPr lang="en-GB"/>
           </a:p>
@@ -1607,7 +1607,7 @@
           <a:p>
             <a:fld id="{E53556A6-779D-436A-9960-E76995E88BDD}" type="datetimeFigureOut">
               <a:rPr lang="en-GB" smtClean="0"/>
-              <a:t>31/08/2023</a:t>
+              <a:t>06/11/2023</a:t>
             </a:fld>
             <a:endParaRPr lang="en-GB"/>
           </a:p>
@@ -1725,7 +1725,7 @@
           <a:p>
             <a:fld id="{E53556A6-779D-436A-9960-E76995E88BDD}" type="datetimeFigureOut">
               <a:rPr lang="en-GB" smtClean="0"/>
-              <a:t>31/08/2023</a:t>
+              <a:t>06/11/2023</a:t>
             </a:fld>
             <a:endParaRPr lang="en-GB"/>
           </a:p>
@@ -1820,7 +1820,7 @@
           <a:p>
             <a:fld id="{E53556A6-779D-436A-9960-E76995E88BDD}" type="datetimeFigureOut">
               <a:rPr lang="en-GB" smtClean="0"/>
-              <a:t>31/08/2023</a:t>
+              <a:t>06/11/2023</a:t>
             </a:fld>
             <a:endParaRPr lang="en-GB"/>
           </a:p>
@@ -2097,7 +2097,7 @@
           <a:p>
             <a:fld id="{E53556A6-779D-436A-9960-E76995E88BDD}" type="datetimeFigureOut">
               <a:rPr lang="en-GB" smtClean="0"/>
-              <a:t>31/08/2023</a:t>
+              <a:t>06/11/2023</a:t>
             </a:fld>
             <a:endParaRPr lang="en-GB"/>
           </a:p>
@@ -2354,7 +2354,7 @@
           <a:p>
             <a:fld id="{E53556A6-779D-436A-9960-E76995E88BDD}" type="datetimeFigureOut">
               <a:rPr lang="en-GB" smtClean="0"/>
-              <a:t>31/08/2023</a:t>
+              <a:t>06/11/2023</a:t>
             </a:fld>
             <a:endParaRPr lang="en-GB"/>
           </a:p>
@@ -2567,7 +2567,7 @@
           <a:p>
             <a:fld id="{E53556A6-779D-436A-9960-E76995E88BDD}" type="datetimeFigureOut">
               <a:rPr lang="en-GB" smtClean="0"/>
-              <a:t>31/08/2023</a:t>
+              <a:t>06/11/2023</a:t>
             </a:fld>
             <a:endParaRPr lang="en-GB"/>
           </a:p>
@@ -2972,133 +2972,6 @@
           <a:chExt cx="0" cy="0"/>
         </a:xfrm>
       </p:grpSpPr>
-      <p:sp>
-        <p:nvSpPr>
-          <p:cNvPr id="182" name="TextBox 181">
-            <a:extLst>
-              <a:ext uri="{FF2B5EF4-FFF2-40B4-BE49-F238E27FC236}">
-                <a16:creationId xmlns:a16="http://schemas.microsoft.com/office/drawing/2014/main" id="{AC2629F4-7BF6-478A-81C3-AD30D8A9DC0D}"/>
-              </a:ext>
-            </a:extLst>
-          </p:cNvPr>
-          <p:cNvSpPr txBox="1"/>
-          <p:nvPr/>
-        </p:nvSpPr>
-        <p:spPr>
-          <a:xfrm>
-            <a:off x="-7680726" y="57908"/>
-            <a:ext cx="6678739" cy="1754326"/>
-          </a:xfrm>
-          <a:prstGeom prst="rect">
-            <a:avLst/>
-          </a:prstGeom>
-          <a:noFill/>
-        </p:spPr>
-        <p:txBody>
-          <a:bodyPr wrap="square" rtlCol="0">
-            <a:spAutoFit/>
-          </a:bodyPr>
-          <a:lstStyle/>
-          <a:p>
-            <a:pPr algn="just"/>
-            <a:r>
-              <a:rPr lang="en-GB" sz="1800" b="1" dirty="0">
-                <a:effectLst/>
-                <a:latin typeface="Calibri" panose="020F0502020204030204" pitchFamily="34" charset="0"/>
-                <a:ea typeface="Times New Roman" panose="02020603050405020304" pitchFamily="18" charset="0"/>
-              </a:rPr>
-              <a:t>1958</a:t>
-            </a:r>
-            <a:r>
-              <a:rPr lang="en-GB" sz="1800" dirty="0">
-                <a:effectLst/>
-                <a:latin typeface="Calibri" panose="020F0502020204030204" pitchFamily="34" charset="0"/>
-                <a:ea typeface="Times New Roman" panose="02020603050405020304" pitchFamily="18" charset="0"/>
-              </a:rPr>
-              <a:t>: The American satellite Vanguard 1 is launched. It was the first satellite with a solar PV power </a:t>
-            </a:r>
-            <a:r>
-              <a:rPr lang="en-GB" sz="1800">
-                <a:effectLst/>
-                <a:latin typeface="Calibri" panose="020F0502020204030204" pitchFamily="34" charset="0"/>
-                <a:ea typeface="Times New Roman" panose="02020603050405020304" pitchFamily="18" charset="0"/>
-              </a:rPr>
-              <a:t>system.</a:t>
-            </a:r>
-          </a:p>
-          <a:p>
-            <a:pPr algn="just"/>
-            <a:endParaRPr lang="en-GB" sz="1800" dirty="0">
-              <a:effectLst/>
-              <a:latin typeface="Times New Roman" panose="02020603050405020304" pitchFamily="18" charset="0"/>
-              <a:ea typeface="Times New Roman" panose="02020603050405020304" pitchFamily="18" charset="0"/>
-            </a:endParaRPr>
-          </a:p>
-          <a:p>
-            <a:pPr algn="just"/>
-            <a:r>
-              <a:rPr lang="en-GB" sz="1800" dirty="0">
-                <a:effectLst/>
-                <a:latin typeface="Times-Roman"/>
-                <a:ea typeface="Times New Roman" panose="02020603050405020304" pitchFamily="18" charset="0"/>
-                <a:cs typeface="Times-Roman"/>
-              </a:rPr>
-              <a:t>Sputnik II satellite in 1957, was already powered with silicon cells.</a:t>
-            </a:r>
-          </a:p>
-          <a:p>
-            <a:pPr algn="just"/>
-            <a:endParaRPr lang="en-GB" dirty="0">
-              <a:latin typeface="Times-Roman"/>
-              <a:ea typeface="Times New Roman" panose="02020603050405020304" pitchFamily="18" charset="0"/>
-            </a:endParaRPr>
-          </a:p>
-          <a:p>
-            <a:pPr algn="just"/>
-            <a:r>
-              <a:rPr lang="en-GB" sz="1800" dirty="0">
-                <a:solidFill>
-                  <a:srgbClr val="0563C1"/>
-                </a:solidFill>
-                <a:effectLst/>
-                <a:latin typeface="Times New Roman" panose="02020603050405020304" pitchFamily="18" charset="0"/>
-                <a:ea typeface="Times New Roman" panose="02020603050405020304" pitchFamily="18" charset="0"/>
-                <a:hlinkClick r:id="rId2">
-                  <a:extLst>
-                    <a:ext uri="{A12FA001-AC4F-418D-AE19-62706E023703}">
-                      <ahyp:hlinkClr xmlns:ahyp="http://schemas.microsoft.com/office/drawing/2018/hyperlinkcolor" val="tx"/>
-                    </a:ext>
-                  </a:extLst>
-                </a:hlinkClick>
-              </a:rPr>
-              <a:t>https://www.nrel.gov/docs/fy04osti/33947.</a:t>
-            </a:r>
-            <a:r>
-              <a:rPr lang="en-GB" sz="1800" dirty="0">
-                <a:effectLst/>
-                <a:latin typeface="Times New Roman" panose="02020603050405020304" pitchFamily="18" charset="0"/>
-                <a:ea typeface="Times New Roman" panose="02020603050405020304" pitchFamily="18" charset="0"/>
-                <a:hlinkClick r:id="rId2">
-                  <a:extLst>
-                    <a:ext uri="{A12FA001-AC4F-418D-AE19-62706E023703}">
-                      <ahyp:hlinkClr xmlns:ahyp="http://schemas.microsoft.com/office/drawing/2018/hyperlinkcolor" val="tx"/>
-                    </a:ext>
-                  </a:extLst>
-                </a:hlinkClick>
-              </a:rPr>
-              <a:t>pdf</a:t>
-            </a:r>
-            <a:r>
-              <a:rPr lang="en-GB" sz="1800" dirty="0">
-                <a:effectLst/>
-                <a:latin typeface="Times New Roman" panose="02020603050405020304" pitchFamily="18" charset="0"/>
-                <a:ea typeface="Times New Roman" panose="02020603050405020304" pitchFamily="18" charset="0"/>
-              </a:rPr>
-              <a:t> </a:t>
-            </a:r>
-          </a:p>
-        </p:txBody>
-      </p:sp>
       <p:grpSp>
         <p:nvGrpSpPr>
           <p:cNvPr id="254" name="Group 253">
@@ -3134,7 +3007,7 @@
             <p:nvPr/>
           </p:nvPicPr>
           <p:blipFill>
-            <a:blip r:embed="rId3"/>
+            <a:blip r:embed="rId2"/>
             <a:stretch>
               <a:fillRect/>
             </a:stretch>
@@ -4339,7 +4212,7 @@
             <p:nvPr/>
           </p:nvPicPr>
           <p:blipFill>
-            <a:blip r:embed="rId4">
+            <a:blip r:embed="rId3">
               <a:extLst>
                 <a:ext uri="{28A0092B-C50C-407E-A947-70E740481C1C}">
                   <a14:useLocalDpi xmlns:a14="http://schemas.microsoft.com/office/drawing/2010/main" val="0"/>
@@ -5089,7 +4962,7 @@
             <p:nvPr/>
           </p:nvPicPr>
           <p:blipFill>
-            <a:blip r:embed="rId5">
+            <a:blip r:embed="rId4">
               <a:extLst>
                 <a:ext uri="{28A0092B-C50C-407E-A947-70E740481C1C}">
                   <a14:useLocalDpi xmlns:a14="http://schemas.microsoft.com/office/drawing/2010/main" val="0"/>
@@ -5584,69 +5457,6 @@
           </p:txBody>
         </p:sp>
       </p:grpSp>
-      <p:graphicFrame>
-        <p:nvGraphicFramePr>
-          <p:cNvPr id="253" name="Object 252">
-            <a:extLst>
-              <a:ext uri="{FF2B5EF4-FFF2-40B4-BE49-F238E27FC236}">
-                <a16:creationId xmlns:a16="http://schemas.microsoft.com/office/drawing/2014/main" id="{7D3A6A8D-0CB0-44E5-864E-69C11CF11BCD}"/>
-              </a:ext>
-            </a:extLst>
-          </p:cNvPr>
-          <p:cNvGraphicFramePr>
-            <a:graphicFrameLocks noChangeAspect="1"/>
-          </p:cNvGraphicFramePr>
-          <p:nvPr>
-            <p:extLst>
-              <p:ext uri="{D42A27DB-BD31-4B8C-83A1-F6EECF244321}">
-                <p14:modId xmlns:p14="http://schemas.microsoft.com/office/powerpoint/2010/main" val="1994033354"/>
-              </p:ext>
-            </p:extLst>
-          </p:nvPr>
-        </p:nvGraphicFramePr>
-        <p:xfrm>
-          <a:off x="-7010361" y="2303443"/>
-          <a:ext cx="2332325" cy="2281987"/>
-        </p:xfrm>
-        <a:graphic>
-          <a:graphicData uri="http://schemas.openxmlformats.org/presentationml/2006/ole">
-            <mc:AlternateContent xmlns:mc="http://schemas.openxmlformats.org/markup-compatibility/2006">
-              <mc:Choice xmlns:v="urn:schemas-microsoft-com:vml" Requires="v">
-                <p:oleObj name="Bitmap Image" r:id="rId6" imgW="5295960" imgH="5181480" progId="Paint.Picture">
-                  <p:embed/>
-                </p:oleObj>
-              </mc:Choice>
-              <mc:Fallback>
-                <p:oleObj name="Bitmap Image" r:id="rId6" imgW="5295960" imgH="5181480" progId="Paint.Picture">
-                  <p:embed/>
-                  <p:pic>
-                    <p:nvPicPr>
-                      <p:cNvPr id="0" name=""/>
-                      <p:cNvPicPr/>
-                      <p:nvPr/>
-                    </p:nvPicPr>
-                    <p:blipFill>
-                      <a:blip r:embed="rId7"/>
-                      <a:stretch>
-                        <a:fillRect/>
-                      </a:stretch>
-                    </p:blipFill>
-                    <p:spPr>
-                      <a:xfrm>
-                        <a:off x="-7010361" y="2303443"/>
-                        <a:ext cx="2332325" cy="2281987"/>
-                      </a:xfrm>
-                      <a:prstGeom prst="rect">
-                        <a:avLst/>
-                      </a:prstGeom>
-                    </p:spPr>
-                  </p:pic>
-                </p:oleObj>
-              </mc:Fallback>
-            </mc:AlternateContent>
-          </a:graphicData>
-        </a:graphic>
-      </p:graphicFrame>
     </p:spTree>
     <p:extLst>
       <p:ext uri="{BB962C8B-B14F-4D97-AF65-F5344CB8AC3E}">
@@ -5677,188 +5487,6 @@
           <a:chExt cx="0" cy="0"/>
         </a:xfrm>
       </p:grpSpPr>
-      <p:sp>
-        <p:nvSpPr>
-          <p:cNvPr id="85" name="TextBox 84">
-            <a:extLst>
-              <a:ext uri="{FF2B5EF4-FFF2-40B4-BE49-F238E27FC236}">
-                <a16:creationId xmlns:a16="http://schemas.microsoft.com/office/drawing/2014/main" id="{526ADE49-E543-4F8F-832B-FB46A0EC1EB7}"/>
-              </a:ext>
-            </a:extLst>
-          </p:cNvPr>
-          <p:cNvSpPr txBox="1"/>
-          <p:nvPr/>
-        </p:nvSpPr>
-        <p:spPr>
-          <a:xfrm>
-            <a:off x="-3756880" y="3142847"/>
-            <a:ext cx="2465323" cy="461665"/>
-          </a:xfrm>
-          <a:prstGeom prst="rect">
-            <a:avLst/>
-          </a:prstGeom>
-          <a:noFill/>
-        </p:spPr>
-        <p:txBody>
-          <a:bodyPr wrap="square" rtlCol="0">
-            <a:spAutoFit/>
-          </a:bodyPr>
-          <a:lstStyle/>
-          <a:p>
-            <a:pPr algn="just"/>
-            <a:r>
-              <a:rPr lang="en-GB" sz="1200" dirty="0" err="1">
-                <a:latin typeface="Calibri" panose="020F0502020204030204" pitchFamily="34" charset="0"/>
-                <a:ea typeface="Times New Roman" panose="02020603050405020304" pitchFamily="18" charset="0"/>
-              </a:rPr>
-              <a:t>Todelo</a:t>
-            </a:r>
-            <a:r>
-              <a:rPr lang="en-GB" sz="1200" dirty="0">
-                <a:latin typeface="Calibri" panose="020F0502020204030204" pitchFamily="34" charset="0"/>
-                <a:ea typeface="Times New Roman" panose="02020603050405020304" pitchFamily="18" charset="0"/>
-              </a:rPr>
-              <a:t> PV es de 1994, </a:t>
-            </a:r>
-            <a:r>
-              <a:rPr lang="en-GB" sz="1200" dirty="0" err="1">
-                <a:latin typeface="Calibri" panose="020F0502020204030204" pitchFamily="34" charset="0"/>
-                <a:ea typeface="Times New Roman" panose="02020603050405020304" pitchFamily="18" charset="0"/>
-              </a:rPr>
-              <a:t>casi</a:t>
-            </a:r>
-            <a:r>
-              <a:rPr lang="en-GB" sz="1200" dirty="0">
-                <a:latin typeface="Calibri" panose="020F0502020204030204" pitchFamily="34" charset="0"/>
-                <a:ea typeface="Times New Roman" panose="02020603050405020304" pitchFamily="18" charset="0"/>
-              </a:rPr>
-              <a:t> 12 </a:t>
-            </a:r>
-            <a:r>
-              <a:rPr lang="en-GB" sz="1200" dirty="0" err="1">
-                <a:latin typeface="Calibri" panose="020F0502020204030204" pitchFamily="34" charset="0"/>
-                <a:ea typeface="Times New Roman" panose="02020603050405020304" pitchFamily="18" charset="0"/>
-              </a:rPr>
-              <a:t>años</a:t>
-            </a:r>
-            <a:r>
-              <a:rPr lang="en-GB" sz="1200" dirty="0">
-                <a:latin typeface="Calibri" panose="020F0502020204030204" pitchFamily="34" charset="0"/>
-                <a:ea typeface="Times New Roman" panose="02020603050405020304" pitchFamily="18" charset="0"/>
-              </a:rPr>
-              <a:t> </a:t>
-            </a:r>
-            <a:r>
-              <a:rPr lang="en-GB" sz="1200" dirty="0" err="1">
-                <a:latin typeface="Calibri" panose="020F0502020204030204" pitchFamily="34" charset="0"/>
-                <a:ea typeface="Times New Roman" panose="02020603050405020304" pitchFamily="18" charset="0"/>
-              </a:rPr>
-              <a:t>después</a:t>
-            </a:r>
-            <a:r>
-              <a:rPr lang="en-GB" sz="1200" dirty="0">
-                <a:latin typeface="Calibri" panose="020F0502020204030204" pitchFamily="34" charset="0"/>
-                <a:ea typeface="Times New Roman" panose="02020603050405020304" pitchFamily="18" charset="0"/>
-              </a:rPr>
-              <a:t> de la de California</a:t>
-            </a:r>
-            <a:endParaRPr lang="en-GB" sz="1200" dirty="0">
-              <a:effectLst/>
-              <a:latin typeface="Times New Roman" panose="02020603050405020304" pitchFamily="18" charset="0"/>
-              <a:ea typeface="Times New Roman" panose="02020603050405020304" pitchFamily="18" charset="0"/>
-            </a:endParaRPr>
-          </a:p>
-        </p:txBody>
-      </p:sp>
-      <p:pic>
-        <p:nvPicPr>
-          <p:cNvPr id="5" name="Picture 4" descr="A picture containing fan, device, appliance&#10;&#10;Description automatically generated">
-            <a:extLst>
-              <a:ext uri="{FF2B5EF4-FFF2-40B4-BE49-F238E27FC236}">
-                <a16:creationId xmlns:a16="http://schemas.microsoft.com/office/drawing/2014/main" id="{318DFC7B-7329-47F5-AC19-C8BC309DDAE0}"/>
-              </a:ext>
-            </a:extLst>
-          </p:cNvPr>
-          <p:cNvPicPr>
-            <a:picLocks noChangeAspect="1"/>
-          </p:cNvPicPr>
-          <p:nvPr/>
-        </p:nvPicPr>
-        <p:blipFill>
-          <a:blip r:embed="rId2" cstate="hqprint">
-            <a:extLst>
-              <a:ext uri="{28A0092B-C50C-407E-A947-70E740481C1C}">
-                <a14:useLocalDpi xmlns:a14="http://schemas.microsoft.com/office/drawing/2010/main" val="0"/>
-              </a:ext>
-            </a:extLst>
-          </a:blip>
-          <a:stretch>
-            <a:fillRect/>
-          </a:stretch>
-        </p:blipFill>
-        <p:spPr>
-          <a:xfrm>
-            <a:off x="-7557074" y="1016464"/>
-            <a:ext cx="3563804" cy="4882578"/>
-          </a:xfrm>
-          <a:prstGeom prst="rect">
-            <a:avLst/>
-          </a:prstGeom>
-        </p:spPr>
-      </p:pic>
-      <p:pic>
-        <p:nvPicPr>
-          <p:cNvPr id="83" name="Picture 82" descr="diapositiva-42">
-            <a:extLst>
-              <a:ext uri="{FF2B5EF4-FFF2-40B4-BE49-F238E27FC236}">
-                <a16:creationId xmlns:a16="http://schemas.microsoft.com/office/drawing/2014/main" id="{B84D3F3D-0BD3-42CF-B5C1-639772FFAABA}"/>
-              </a:ext>
-            </a:extLst>
-          </p:cNvPr>
-          <p:cNvPicPr>
-            <a:picLocks noChangeAspect="1" noChangeArrowheads="1"/>
-          </p:cNvPicPr>
-          <p:nvPr/>
-        </p:nvPicPr>
-        <p:blipFill>
-          <a:blip r:embed="rId3" cstate="hqprint">
-            <a:extLst>
-              <a:ext uri="{28A0092B-C50C-407E-A947-70E740481C1C}">
-                <a14:useLocalDpi xmlns:a14="http://schemas.microsoft.com/office/drawing/2010/main" val="0"/>
-              </a:ext>
-            </a:extLst>
-          </a:blip>
-          <a:srcRect/>
-          <a:stretch>
-            <a:fillRect/>
-          </a:stretch>
-        </p:blipFill>
-        <p:spPr bwMode="auto">
-          <a:xfrm>
-            <a:off x="-3756880" y="1010402"/>
-            <a:ext cx="3036223" cy="1894288"/>
-          </a:xfrm>
-          <a:prstGeom prst="rect">
-            <a:avLst/>
-          </a:prstGeom>
-          <a:noFill/>
-          <a:ln w="9525">
-            <a:noFill/>
-            <a:miter lim="800000"/>
-            <a:headEnd/>
-            <a:tailEnd/>
-          </a:ln>
-          <a:extLst>
-            <a:ext uri="{909E8E84-426E-40DD-AFC4-6F175D3DCCD1}">
-              <a14:hiddenFill xmlns:a14="http://schemas.microsoft.com/office/drawing/2010/main">
-                <a:solidFill>
-                  <a:srgbClr val="FFFFFF"/>
-                </a:solidFill>
-              </a14:hiddenFill>
-            </a:ext>
-          </a:extLst>
-        </p:spPr>
-      </p:pic>
       <p:grpSp>
         <p:nvGrpSpPr>
           <p:cNvPr id="6" name="Group 5">
@@ -6980,7 +6608,7 @@
             <p:nvPr/>
           </p:nvPicPr>
           <p:blipFill>
-            <a:blip r:embed="rId4" cstate="hqprint">
+            <a:blip r:embed="rId2" cstate="hqprint">
               <a:extLst>
                 <a:ext uri="{28A0092B-C50C-407E-A947-70E740481C1C}">
                   <a14:useLocalDpi xmlns:a14="http://schemas.microsoft.com/office/drawing/2010/main" val="0"/>
@@ -7418,7 +7046,7 @@
             <p:nvPr/>
           </p:nvPicPr>
           <p:blipFill>
-            <a:blip r:embed="rId5">
+            <a:blip r:embed="rId3">
               <a:extLst>
                 <a:ext uri="{28A0092B-C50C-407E-A947-70E740481C1C}">
                   <a14:useLocalDpi xmlns:a14="http://schemas.microsoft.com/office/drawing/2010/main" val="0"/>
@@ -7842,7 +7470,7 @@
             <p:nvPr/>
           </p:nvPicPr>
           <p:blipFill>
-            <a:blip r:embed="rId6">
+            <a:blip r:embed="rId4">
               <a:extLst>
                 <a:ext uri="{28A0092B-C50C-407E-A947-70E740481C1C}">
                   <a14:useLocalDpi xmlns:a14="http://schemas.microsoft.com/office/drawing/2010/main" val="0"/>
@@ -7878,7 +7506,7 @@
             <p:nvPr/>
           </p:nvPicPr>
           <p:blipFill rotWithShape="1">
-            <a:blip r:embed="rId7" cstate="hqprint">
+            <a:blip r:embed="rId5" cstate="hqprint">
               <a:extLst>
                 <a:ext uri="{28A0092B-C50C-407E-A947-70E740481C1C}">
                   <a14:useLocalDpi xmlns:a14="http://schemas.microsoft.com/office/drawing/2010/main" val="0"/>
@@ -8930,7 +8558,7 @@
             <p:nvPr/>
           </p:nvPicPr>
           <p:blipFill>
-            <a:blip r:embed="rId8" cstate="hqprint">
+            <a:blip r:embed="rId6" cstate="hqprint">
               <a:extLst>
                 <a:ext uri="{28A0092B-C50C-407E-A947-70E740481C1C}">
                   <a14:useLocalDpi xmlns:a14="http://schemas.microsoft.com/office/drawing/2010/main" val="0"/>

--- a/Figures/Chapter_01/drawings/Fig_PV_history.pptx
+++ b/Figures/Chapter_01/drawings/Fig_PV_history.pptx
@@ -244,7 +244,7 @@
           <a:p>
             <a:fld id="{E53556A6-779D-436A-9960-E76995E88BDD}" type="datetimeFigureOut">
               <a:rPr lang="en-GB" smtClean="0"/>
-              <a:t>06/11/2023</a:t>
+              <a:t>11/01/2024</a:t>
             </a:fld>
             <a:endParaRPr lang="en-GB"/>
           </a:p>
@@ -414,7 +414,7 @@
           <a:p>
             <a:fld id="{E53556A6-779D-436A-9960-E76995E88BDD}" type="datetimeFigureOut">
               <a:rPr lang="en-GB" smtClean="0"/>
-              <a:t>06/11/2023</a:t>
+              <a:t>11/01/2024</a:t>
             </a:fld>
             <a:endParaRPr lang="en-GB"/>
           </a:p>
@@ -594,7 +594,7 @@
           <a:p>
             <a:fld id="{E53556A6-779D-436A-9960-E76995E88BDD}" type="datetimeFigureOut">
               <a:rPr lang="en-GB" smtClean="0"/>
-              <a:t>06/11/2023</a:t>
+              <a:t>11/01/2024</a:t>
             </a:fld>
             <a:endParaRPr lang="en-GB"/>
           </a:p>
@@ -764,7 +764,7 @@
           <a:p>
             <a:fld id="{E53556A6-779D-436A-9960-E76995E88BDD}" type="datetimeFigureOut">
               <a:rPr lang="en-GB" smtClean="0"/>
-              <a:t>06/11/2023</a:t>
+              <a:t>11/01/2024</a:t>
             </a:fld>
             <a:endParaRPr lang="en-GB"/>
           </a:p>
@@ -1008,7 +1008,7 @@
           <a:p>
             <a:fld id="{E53556A6-779D-436A-9960-E76995E88BDD}" type="datetimeFigureOut">
               <a:rPr lang="en-GB" smtClean="0"/>
-              <a:t>06/11/2023</a:t>
+              <a:t>11/01/2024</a:t>
             </a:fld>
             <a:endParaRPr lang="en-GB"/>
           </a:p>
@@ -1240,7 +1240,7 @@
           <a:p>
             <a:fld id="{E53556A6-779D-436A-9960-E76995E88BDD}" type="datetimeFigureOut">
               <a:rPr lang="en-GB" smtClean="0"/>
-              <a:t>06/11/2023</a:t>
+              <a:t>11/01/2024</a:t>
             </a:fld>
             <a:endParaRPr lang="en-GB"/>
           </a:p>
@@ -1607,7 +1607,7 @@
           <a:p>
             <a:fld id="{E53556A6-779D-436A-9960-E76995E88BDD}" type="datetimeFigureOut">
               <a:rPr lang="en-GB" smtClean="0"/>
-              <a:t>06/11/2023</a:t>
+              <a:t>11/01/2024</a:t>
             </a:fld>
             <a:endParaRPr lang="en-GB"/>
           </a:p>
@@ -1725,7 +1725,7 @@
           <a:p>
             <a:fld id="{E53556A6-779D-436A-9960-E76995E88BDD}" type="datetimeFigureOut">
               <a:rPr lang="en-GB" smtClean="0"/>
-              <a:t>06/11/2023</a:t>
+              <a:t>11/01/2024</a:t>
             </a:fld>
             <a:endParaRPr lang="en-GB"/>
           </a:p>
@@ -1820,7 +1820,7 @@
           <a:p>
             <a:fld id="{E53556A6-779D-436A-9960-E76995E88BDD}" type="datetimeFigureOut">
               <a:rPr lang="en-GB" smtClean="0"/>
-              <a:t>06/11/2023</a:t>
+              <a:t>11/01/2024</a:t>
             </a:fld>
             <a:endParaRPr lang="en-GB"/>
           </a:p>
@@ -2097,7 +2097,7 @@
           <a:p>
             <a:fld id="{E53556A6-779D-436A-9960-E76995E88BDD}" type="datetimeFigureOut">
               <a:rPr lang="en-GB" smtClean="0"/>
-              <a:t>06/11/2023</a:t>
+              <a:t>11/01/2024</a:t>
             </a:fld>
             <a:endParaRPr lang="en-GB"/>
           </a:p>
@@ -2354,7 +2354,7 @@
           <a:p>
             <a:fld id="{E53556A6-779D-436A-9960-E76995E88BDD}" type="datetimeFigureOut">
               <a:rPr lang="en-GB" smtClean="0"/>
-              <a:t>06/11/2023</a:t>
+              <a:t>11/01/2024</a:t>
             </a:fld>
             <a:endParaRPr lang="en-GB"/>
           </a:p>
@@ -2567,7 +2567,7 @@
           <a:p>
             <a:fld id="{E53556A6-779D-436A-9960-E76995E88BDD}" type="datetimeFigureOut">
               <a:rPr lang="en-GB" smtClean="0"/>
-              <a:t>06/11/2023</a:t>
+              <a:t>11/01/2024</a:t>
             </a:fld>
             <a:endParaRPr lang="en-GB"/>
           </a:p>
@@ -3220,27 +3220,7 @@
                   <a:effectLst/>
                   <a:ea typeface="Times New Roman" panose="02020603050405020304" pitchFamily="18" charset="0"/>
                 </a:rPr>
-                <a:t>Alexandre-Edmond Becquerel discovered the </a:t>
-              </a:r>
-              <a:r>
-                <a:rPr lang="en-GB" sz="1200" b="1" dirty="0">
-                  <a:solidFill>
-                    <a:srgbClr val="0E101A"/>
-                  </a:solidFill>
-                  <a:effectLst/>
-                  <a:ea typeface="Times New Roman" panose="02020603050405020304" pitchFamily="18" charset="0"/>
-                </a:rPr>
-                <a:t>photovoltaic effect</a:t>
-              </a:r>
-              <a:r>
-                <a:rPr lang="en-GB" sz="1200" dirty="0">
-                  <a:solidFill>
-                    <a:srgbClr val="0E101A"/>
-                  </a:solidFill>
-                  <a:effectLst/>
-                  <a:ea typeface="Times New Roman" panose="02020603050405020304" pitchFamily="18" charset="0"/>
-                </a:rPr>
-                <a:t>, that is, t</a:t>
+                <a:t>Alexandre-Edmond Becquerel discovered the photovoltaic effect, that is, t</a:t>
               </a:r>
               <a:r>
                 <a:rPr lang="en-GB" sz="1200" dirty="0">
@@ -3259,7 +3239,26 @@
                   <a:effectLst/>
                   <a:ea typeface="Times New Roman" panose="02020603050405020304" pitchFamily="18" charset="0"/>
                 </a:rPr>
-                <a:t>. Becquerel placed two platinum electrodes in a container filled with an electrolyte and measured that the current flowing between the electrodes increased when the setup was exposed to sunlight.</a:t>
+                <a:t>. Becquerel placed two platinum contacts in a container filled with an electrolyte and measured that the current flowing between the </a:t>
+              </a:r>
+              <a:r>
+                <a:rPr lang="en-GB" sz="1200" dirty="0">
+                  <a:solidFill>
+                    <a:srgbClr val="0E101A"/>
+                  </a:solidFill>
+                  <a:ea typeface="Times New Roman" panose="02020603050405020304" pitchFamily="18" charset="0"/>
+                </a:rPr>
+                <a:t>contacts</a:t>
+              </a:r>
+              <a:r>
+                <a:rPr lang="en-GB" sz="1200" dirty="0">
+                  <a:solidFill>
+                    <a:srgbClr val="0E101A"/>
+                  </a:solidFill>
+                  <a:effectLst/>
+                  <a:ea typeface="Times New Roman" panose="02020603050405020304" pitchFamily="18" charset="0"/>
+                </a:rPr>
+                <a:t> increased when the setup was exposed to sunlight.</a:t>
               </a:r>
               <a:endParaRPr lang="en-GB" sz="1200" dirty="0"/>
             </a:p>
@@ -3461,7 +3460,15 @@
               <a:pPr algn="just"/>
               <a:r>
                 <a:rPr lang="en-GB" sz="1200" dirty="0"/>
-                <a:t>William Adams and Richard Day proved that a selenium rod connected to platinum electrodes produced electricity when it was illuminated. This was the first observation of the photovoltaic effect in solids. </a:t>
+                <a:t>William Adams and Richard Day proved that a selenium rod connected to </a:t>
+              </a:r>
+              <a:r>
+                <a:rPr lang="en-GB" sz="1200"/>
+                <a:t>platinum contacts </a:t>
+              </a:r>
+              <a:r>
+                <a:rPr lang="en-GB" sz="1200" dirty="0"/>
+                <a:t>produced electricity when it was illuminated. This was the first observation of the photovoltaic effect in solids. </a:t>
               </a:r>
             </a:p>
           </p:txBody>

--- a/Figures/Chapter_01/drawings/Fig_PV_history.pptx
+++ b/Figures/Chapter_01/drawings/Fig_PV_history.pptx
@@ -244,7 +244,7 @@
           <a:p>
             <a:fld id="{E53556A6-779D-436A-9960-E76995E88BDD}" type="datetimeFigureOut">
               <a:rPr lang="en-GB" smtClean="0"/>
-              <a:t>11/01/2024</a:t>
+              <a:t>06/07/2024</a:t>
             </a:fld>
             <a:endParaRPr lang="en-GB"/>
           </a:p>
@@ -414,7 +414,7 @@
           <a:p>
             <a:fld id="{E53556A6-779D-436A-9960-E76995E88BDD}" type="datetimeFigureOut">
               <a:rPr lang="en-GB" smtClean="0"/>
-              <a:t>11/01/2024</a:t>
+              <a:t>06/07/2024</a:t>
             </a:fld>
             <a:endParaRPr lang="en-GB"/>
           </a:p>
@@ -594,7 +594,7 @@
           <a:p>
             <a:fld id="{E53556A6-779D-436A-9960-E76995E88BDD}" type="datetimeFigureOut">
               <a:rPr lang="en-GB" smtClean="0"/>
-              <a:t>11/01/2024</a:t>
+              <a:t>06/07/2024</a:t>
             </a:fld>
             <a:endParaRPr lang="en-GB"/>
           </a:p>
@@ -764,7 +764,7 @@
           <a:p>
             <a:fld id="{E53556A6-779D-436A-9960-E76995E88BDD}" type="datetimeFigureOut">
               <a:rPr lang="en-GB" smtClean="0"/>
-              <a:t>11/01/2024</a:t>
+              <a:t>06/07/2024</a:t>
             </a:fld>
             <a:endParaRPr lang="en-GB"/>
           </a:p>
@@ -1008,7 +1008,7 @@
           <a:p>
             <a:fld id="{E53556A6-779D-436A-9960-E76995E88BDD}" type="datetimeFigureOut">
               <a:rPr lang="en-GB" smtClean="0"/>
-              <a:t>11/01/2024</a:t>
+              <a:t>06/07/2024</a:t>
             </a:fld>
             <a:endParaRPr lang="en-GB"/>
           </a:p>
@@ -1240,7 +1240,7 @@
           <a:p>
             <a:fld id="{E53556A6-779D-436A-9960-E76995E88BDD}" type="datetimeFigureOut">
               <a:rPr lang="en-GB" smtClean="0"/>
-              <a:t>11/01/2024</a:t>
+              <a:t>06/07/2024</a:t>
             </a:fld>
             <a:endParaRPr lang="en-GB"/>
           </a:p>
@@ -1607,7 +1607,7 @@
           <a:p>
             <a:fld id="{E53556A6-779D-436A-9960-E76995E88BDD}" type="datetimeFigureOut">
               <a:rPr lang="en-GB" smtClean="0"/>
-              <a:t>11/01/2024</a:t>
+              <a:t>06/07/2024</a:t>
             </a:fld>
             <a:endParaRPr lang="en-GB"/>
           </a:p>
@@ -1725,7 +1725,7 @@
           <a:p>
             <a:fld id="{E53556A6-779D-436A-9960-E76995E88BDD}" type="datetimeFigureOut">
               <a:rPr lang="en-GB" smtClean="0"/>
-              <a:t>11/01/2024</a:t>
+              <a:t>06/07/2024</a:t>
             </a:fld>
             <a:endParaRPr lang="en-GB"/>
           </a:p>
@@ -1820,7 +1820,7 @@
           <a:p>
             <a:fld id="{E53556A6-779D-436A-9960-E76995E88BDD}" type="datetimeFigureOut">
               <a:rPr lang="en-GB" smtClean="0"/>
-              <a:t>11/01/2024</a:t>
+              <a:t>06/07/2024</a:t>
             </a:fld>
             <a:endParaRPr lang="en-GB"/>
           </a:p>
@@ -2097,7 +2097,7 @@
           <a:p>
             <a:fld id="{E53556A6-779D-436A-9960-E76995E88BDD}" type="datetimeFigureOut">
               <a:rPr lang="en-GB" smtClean="0"/>
-              <a:t>11/01/2024</a:t>
+              <a:t>06/07/2024</a:t>
             </a:fld>
             <a:endParaRPr lang="en-GB"/>
           </a:p>
@@ -2354,7 +2354,7 @@
           <a:p>
             <a:fld id="{E53556A6-779D-436A-9960-E76995E88BDD}" type="datetimeFigureOut">
               <a:rPr lang="en-GB" smtClean="0"/>
-              <a:t>11/01/2024</a:t>
+              <a:t>06/07/2024</a:t>
             </a:fld>
             <a:endParaRPr lang="en-GB"/>
           </a:p>
@@ -2567,7 +2567,7 @@
           <a:p>
             <a:fld id="{E53556A6-779D-436A-9960-E76995E88BDD}" type="datetimeFigureOut">
               <a:rPr lang="en-GB" smtClean="0"/>
-              <a:t>11/01/2024</a:t>
+              <a:t>06/07/2024</a:t>
             </a:fld>
             <a:endParaRPr lang="en-GB"/>
           </a:p>
@@ -2987,9 +2987,9 @@
         <p:grpSpPr>
           <a:xfrm>
             <a:off x="162533" y="57908"/>
-            <a:ext cx="7293129" cy="11639217"/>
+            <a:ext cx="7293129" cy="11750977"/>
             <a:chOff x="162533" y="57908"/>
-            <a:chExt cx="7293129" cy="11639217"/>
+            <a:chExt cx="7293129" cy="11750977"/>
           </a:xfrm>
         </p:grpSpPr>
         <p:pic>
@@ -3014,7 +3014,7 @@
           </p:blipFill>
           <p:spPr>
             <a:xfrm>
-              <a:off x="5007385" y="9815166"/>
+              <a:off x="5007385" y="9926926"/>
               <a:ext cx="1847585" cy="1881959"/>
             </a:xfrm>
             <a:prstGeom prst="rect">
@@ -3106,7 +3106,7 @@
                 <a:avLst/>
               </a:prstGeom>
               <a:solidFill>
-                <a:schemeClr val="bg1"/>
+                <a:srgbClr val="E7E7E8"/>
               </a:solidFill>
               <a:ln w="38100">
                 <a:solidFill>
@@ -3305,7 +3305,7 @@
                 <a:avLst/>
               </a:prstGeom>
               <a:solidFill>
-                <a:schemeClr val="bg1"/>
+                <a:srgbClr val="E7E7E8"/>
               </a:solidFill>
               <a:ln w="38100">
                 <a:solidFill>
@@ -3561,7 +3561,7 @@
                 <a:avLst/>
               </a:prstGeom>
               <a:solidFill>
-                <a:schemeClr val="bg1"/>
+                <a:srgbClr val="E7E7E8"/>
               </a:solidFill>
               <a:ln w="38100">
                 <a:solidFill>
@@ -3788,7 +3788,7 @@
                 <a:avLst/>
               </a:prstGeom>
               <a:solidFill>
-                <a:schemeClr val="bg1"/>
+                <a:srgbClr val="E7E7E8"/>
               </a:solidFill>
               <a:ln w="38100">
                 <a:solidFill>
@@ -3989,7 +3989,7 @@
                 <a:avLst/>
               </a:prstGeom>
               <a:solidFill>
-                <a:schemeClr val="bg1"/>
+                <a:srgbClr val="E7E7E8"/>
               </a:solidFill>
               <a:ln w="38100">
                 <a:solidFill>
@@ -4330,7 +4330,7 @@
                 <a:avLst/>
               </a:prstGeom>
               <a:solidFill>
-                <a:schemeClr val="bg1"/>
+                <a:srgbClr val="E7E7E8"/>
               </a:solidFill>
               <a:ln w="38100">
                 <a:solidFill>
@@ -4629,7 +4629,7 @@
                 <a:avLst/>
               </a:prstGeom>
               <a:solidFill>
-                <a:schemeClr val="bg1"/>
+                <a:srgbClr val="E7E7E8"/>
               </a:solidFill>
               <a:ln w="38100">
                 <a:solidFill>
@@ -4830,7 +4830,7 @@
                 <a:avLst/>
               </a:prstGeom>
               <a:solidFill>
-                <a:schemeClr val="bg1"/>
+                <a:srgbClr val="E7E7E8"/>
               </a:solidFill>
               <a:ln w="38100">
                 <a:solidFill>
@@ -5031,7 +5031,7 @@
                 <a:avLst/>
               </a:prstGeom>
               <a:solidFill>
-                <a:schemeClr val="bg1"/>
+                <a:srgbClr val="E7E7E8"/>
               </a:solidFill>
               <a:ln w="38100">
                 <a:solidFill>
@@ -5288,7 +5288,7 @@
                 <a:avLst/>
               </a:prstGeom>
               <a:solidFill>
-                <a:schemeClr val="bg1"/>
+                <a:srgbClr val="E7E7E8"/>
               </a:solidFill>
               <a:ln w="38100">
                 <a:solidFill>
@@ -5443,23 +5443,12 @@
               <a:pPr algn="just"/>
               <a:r>
                 <a:rPr lang="en-GB" sz="1200" i="1" dirty="0">
-                  <a:solidFill>
-                    <a:schemeClr val="accent3">
-                      <a:lumMod val="50000"/>
-                    </a:schemeClr>
-                  </a:solidFill>
                   <a:effectLst/>
                   <a:ea typeface="Times New Roman" panose="02020603050405020304" pitchFamily="18" charset="0"/>
                 </a:rPr>
                 <a:t>Photoelectric and photovoltaic effects are related, but they are not the same. In both cases, light is absorbed, and it causes the excitation of an electron to a higher energy level. We refer to the photoelectric effect when the electron is ejected out of the material, and to the photovoltaic effect when the excited electron is still contained within the material. </a:t>
               </a:r>
-              <a:endParaRPr lang="en-GB" sz="1200" i="1" dirty="0">
-                <a:solidFill>
-                  <a:schemeClr val="accent3">
-                    <a:lumMod val="50000"/>
-                  </a:schemeClr>
-                </a:solidFill>
-              </a:endParaRPr>
+              <a:endParaRPr lang="en-GB" sz="1200" i="1" dirty="0"/>
             </a:p>
           </p:txBody>
         </p:sp>
@@ -5698,7 +5687,7 @@
                 <a:avLst/>
               </a:prstGeom>
               <a:solidFill>
-                <a:schemeClr val="bg1"/>
+                <a:srgbClr val="E7E7E8"/>
               </a:solidFill>
               <a:ln w="38100">
                 <a:solidFill>
@@ -5906,7 +5895,7 @@
                 <a:avLst/>
               </a:prstGeom>
               <a:solidFill>
-                <a:schemeClr val="bg1"/>
+                <a:srgbClr val="E7E7E8"/>
               </a:solidFill>
               <a:ln w="38100">
                 <a:solidFill>
@@ -6110,7 +6099,7 @@
                 <a:avLst/>
               </a:prstGeom>
               <a:solidFill>
-                <a:schemeClr val="bg1"/>
+                <a:srgbClr val="E7E7E8"/>
               </a:solidFill>
               <a:ln w="38100">
                 <a:solidFill>
@@ -6311,7 +6300,7 @@
                 <a:avLst/>
               </a:prstGeom>
               <a:solidFill>
-                <a:schemeClr val="bg1"/>
+                <a:srgbClr val="E7E7E8"/>
               </a:solidFill>
               <a:ln w="38100">
                 <a:solidFill>
@@ -6476,7 +6465,7 @@
                 <a:avLst/>
               </a:prstGeom>
               <a:solidFill>
-                <a:schemeClr val="bg1"/>
+                <a:srgbClr val="E7E7E8"/>
               </a:solidFill>
               <a:ln w="38100">
                 <a:solidFill>
@@ -6677,7 +6666,7 @@
                 <a:avLst/>
               </a:prstGeom>
               <a:solidFill>
-                <a:schemeClr val="bg1"/>
+                <a:srgbClr val="E7E7E8"/>
               </a:solidFill>
               <a:ln w="38100">
                 <a:solidFill>
@@ -6878,7 +6867,7 @@
                 <a:avLst/>
               </a:prstGeom>
               <a:solidFill>
-                <a:schemeClr val="bg1"/>
+                <a:srgbClr val="E7E7E8"/>
               </a:solidFill>
               <a:ln w="38100">
                 <a:solidFill>
@@ -7088,10 +7077,10 @@
           </p:nvGrpSpPr>
           <p:grpSpPr>
             <a:xfrm>
-              <a:off x="3685113" y="6888652"/>
-              <a:ext cx="684000" cy="180000"/>
-              <a:chOff x="3684151" y="704483"/>
-              <a:chExt cx="684000" cy="180000"/>
+              <a:off x="3695273" y="6888652"/>
+              <a:ext cx="673840" cy="180000"/>
+              <a:chOff x="3694311" y="704483"/>
+              <a:chExt cx="673840" cy="180000"/>
             </a:xfrm>
           </p:grpSpPr>
           <p:sp>
@@ -7108,14 +7097,14 @@
             </p:nvSpPr>
             <p:spPr>
               <a:xfrm>
-                <a:off x="3684151" y="704483"/>
+                <a:off x="3694311" y="704483"/>
                 <a:ext cx="180000" cy="180000"/>
               </a:xfrm>
               <a:prstGeom prst="ellipse">
                 <a:avLst/>
               </a:prstGeom>
               <a:solidFill>
-                <a:schemeClr val="bg1"/>
+                <a:srgbClr val="E7E7E8"/>
               </a:solidFill>
               <a:ln w="38100">
                 <a:solidFill>
@@ -7309,7 +7298,7 @@
                 <a:avLst/>
               </a:prstGeom>
               <a:solidFill>
-                <a:schemeClr val="bg1"/>
+                <a:srgbClr val="E7E7E8"/>
               </a:solidFill>
               <a:ln w="38100">
                 <a:solidFill>
@@ -7574,7 +7563,7 @@
                 <a:avLst/>
               </a:prstGeom>
               <a:solidFill>
-                <a:schemeClr val="bg1"/>
+                <a:srgbClr val="E7E7E8"/>
               </a:solidFill>
               <a:ln w="38100">
                 <a:solidFill>
@@ -7775,7 +7764,7 @@
                 <a:avLst/>
               </a:prstGeom>
               <a:solidFill>
-                <a:schemeClr val="bg1"/>
+                <a:srgbClr val="E7E7E8"/>
               </a:solidFill>
               <a:ln w="38100">
                 <a:solidFill>
@@ -7976,7 +7965,7 @@
                 <a:avLst/>
               </a:prstGeom>
               <a:solidFill>
-                <a:schemeClr val="bg1"/>
+                <a:srgbClr val="E7E7E8"/>
               </a:solidFill>
               <a:ln w="38100">
                 <a:solidFill>
@@ -8185,7 +8174,7 @@
                 <a:avLst/>
               </a:prstGeom>
               <a:solidFill>
-                <a:schemeClr val="bg1"/>
+                <a:srgbClr val="E7E7E8"/>
               </a:solidFill>
               <a:ln w="38100">
                 <a:solidFill>
@@ -8390,7 +8379,7 @@
                 <a:avLst/>
               </a:prstGeom>
               <a:solidFill>
-                <a:schemeClr val="bg1"/>
+                <a:srgbClr val="E7E7E8"/>
               </a:solidFill>
               <a:ln w="38100">
                 <a:solidFill>
@@ -8644,7 +8633,7 @@
                 <a:avLst/>
               </a:prstGeom>
               <a:solidFill>
-                <a:schemeClr val="bg1"/>
+                <a:srgbClr val="E7E7E8"/>
               </a:solidFill>
               <a:ln w="38100">
                 <a:solidFill>
@@ -8809,7 +8798,7 @@
                 <a:avLst/>
               </a:prstGeom>
               <a:solidFill>
-                <a:schemeClr val="bg1"/>
+                <a:srgbClr val="E7E7E8"/>
               </a:solidFill>
               <a:ln w="38100">
                 <a:solidFill>
